--- a/Group_18_Email_Subject_Generation_and_QA_Final_updated_3.pptx
+++ b/Group_18_Email_Subject_Generation_and_QA_Final_updated_3.pptx
@@ -5,7 +5,7 @@
     <p:sldMasterId id="2147483648" r:id="rId1"/>
   </p:sldMasterIdLst>
   <p:notesMasterIdLst>
-    <p:notesMasterId r:id="rId20"/>
+    <p:notesMasterId r:id="rId19"/>
   </p:notesMasterIdLst>
   <p:sldIdLst>
     <p:sldId id="271" r:id="rId2"/>
@@ -25,7 +25,6 @@
     <p:sldId id="269" r:id="rId16"/>
     <p:sldId id="270" r:id="rId17"/>
     <p:sldId id="273" r:id="rId18"/>
-    <p:sldId id="272" r:id="rId19"/>
   </p:sldIdLst>
   <p:sldSz cx="12192000" cy="6858000"/>
   <p:notesSz cx="6858000" cy="9144000"/>
@@ -2644,7 +2643,7 @@
           </a:ln>
           <a:extLst>
             <a:ext uri="{C572A759-6A51-4108-AA02-DFA0A04FC94B}">
-              <ma14:wrappingTextBoxFlag xmlns="" xmlns:m="http://schemas.openxmlformats.org/officeDocument/2006/math" xmlns:a14="http://schemas.microsoft.com/office/drawing/2010/main" xmlns:ma14="http://schemas.microsoft.com/office/mac/drawingml/2011/main" val="1"/>
+              <ma14:wrappingTextBoxFlag xmlns:ma14="http://schemas.microsoft.com/office/mac/drawingml/2011/main" xmlns:a14="http://schemas.microsoft.com/office/drawing/2010/main" xmlns:m="http://schemas.openxmlformats.org/officeDocument/2006/math" xmlns="" val="1"/>
             </a:ext>
           </a:extLst>
         </p:spPr>
@@ -2683,7 +2682,7 @@
           </a:ln>
           <a:extLst>
             <a:ext uri="{C572A759-6A51-4108-AA02-DFA0A04FC94B}">
-              <ma14:wrappingTextBoxFlag xmlns="" xmlns:m="http://schemas.openxmlformats.org/officeDocument/2006/math" xmlns:a14="http://schemas.microsoft.com/office/drawing/2010/main" xmlns:ma14="http://schemas.microsoft.com/office/mac/drawingml/2011/main" val="1"/>
+              <ma14:wrappingTextBoxFlag xmlns:ma14="http://schemas.microsoft.com/office/mac/drawingml/2011/main" xmlns:a14="http://schemas.microsoft.com/office/drawing/2010/main" xmlns:m="http://schemas.openxmlformats.org/officeDocument/2006/math" xmlns="" val="1"/>
             </a:ext>
           </a:extLst>
         </p:spPr>
@@ -3892,7 +3891,7 @@
             <a:effectLst/>
             <a:extLst>
               <a:ext uri="{C572A759-6A51-4108-AA02-DFA0A04FC94B}">
-                <ma14:wrappingTextBoxFlag xmlns="" xmlns:m="http://schemas.openxmlformats.org/officeDocument/2006/math" xmlns:a14="http://schemas.microsoft.com/office/drawing/2010/main" xmlns:ma14="http://schemas.microsoft.com/office/mac/drawingml/2011/main" val="1"/>
+                <ma14:wrappingTextBoxFlag xmlns:ma14="http://schemas.microsoft.com/office/mac/drawingml/2011/main" xmlns:a14="http://schemas.microsoft.com/office/drawing/2010/main" xmlns:m="http://schemas.openxmlformats.org/officeDocument/2006/math" xmlns="" val="1"/>
               </a:ext>
             </a:extLst>
           </p:spPr>
@@ -3986,7 +3985,7 @@
             <a:effectLst/>
             <a:extLst>
               <a:ext uri="{C572A759-6A51-4108-AA02-DFA0A04FC94B}">
-                <ma14:wrappingTextBoxFlag xmlns="" xmlns:m="http://schemas.openxmlformats.org/officeDocument/2006/math" xmlns:a14="http://schemas.microsoft.com/office/drawing/2010/main" xmlns:ma14="http://schemas.microsoft.com/office/mac/drawingml/2011/main" val="1"/>
+                <ma14:wrappingTextBoxFlag xmlns:ma14="http://schemas.microsoft.com/office/mac/drawingml/2011/main" xmlns:a14="http://schemas.microsoft.com/office/drawing/2010/main" xmlns:m="http://schemas.openxmlformats.org/officeDocument/2006/math" xmlns="" val="1"/>
               </a:ext>
             </a:extLst>
           </p:spPr>
@@ -4131,7 +4130,7 @@
             <a:effectLst/>
             <a:extLst>
               <a:ext uri="{C572A759-6A51-4108-AA02-DFA0A04FC94B}">
-                <ma14:wrappingTextBoxFlag xmlns="" xmlns:m="http://schemas.openxmlformats.org/officeDocument/2006/math" xmlns:a14="http://schemas.microsoft.com/office/drawing/2010/main" xmlns:ma14="http://schemas.microsoft.com/office/mac/drawingml/2011/main" val="1"/>
+                <ma14:wrappingTextBoxFlag xmlns:ma14="http://schemas.microsoft.com/office/mac/drawingml/2011/main" xmlns:a14="http://schemas.microsoft.com/office/drawing/2010/main" xmlns:m="http://schemas.openxmlformats.org/officeDocument/2006/math" xmlns="" val="1"/>
               </a:ext>
             </a:extLst>
           </p:spPr>
@@ -4243,7 +4242,7 @@
             <a:effectLst/>
             <a:extLst>
               <a:ext uri="{C572A759-6A51-4108-AA02-DFA0A04FC94B}">
-                <ma14:wrappingTextBoxFlag xmlns="" xmlns:m="http://schemas.openxmlformats.org/officeDocument/2006/math" xmlns:a14="http://schemas.microsoft.com/office/drawing/2010/main" xmlns:ma14="http://schemas.microsoft.com/office/mac/drawingml/2011/main" val="1"/>
+                <ma14:wrappingTextBoxFlag xmlns:ma14="http://schemas.microsoft.com/office/mac/drawingml/2011/main" xmlns:a14="http://schemas.microsoft.com/office/drawing/2010/main" xmlns:m="http://schemas.openxmlformats.org/officeDocument/2006/math" xmlns="" val="1"/>
               </a:ext>
             </a:extLst>
           </p:spPr>
@@ -4388,7 +4387,7 @@
             <a:effectLst/>
             <a:extLst>
               <a:ext uri="{C572A759-6A51-4108-AA02-DFA0A04FC94B}">
-                <ma14:wrappingTextBoxFlag xmlns="" xmlns:m="http://schemas.openxmlformats.org/officeDocument/2006/math" xmlns:a14="http://schemas.microsoft.com/office/drawing/2010/main" xmlns:ma14="http://schemas.microsoft.com/office/mac/drawingml/2011/main" val="1"/>
+                <ma14:wrappingTextBoxFlag xmlns:ma14="http://schemas.microsoft.com/office/mac/drawingml/2011/main" xmlns:a14="http://schemas.microsoft.com/office/drawing/2010/main" xmlns:m="http://schemas.openxmlformats.org/officeDocument/2006/math" xmlns="" val="1"/>
               </a:ext>
             </a:extLst>
           </p:spPr>
@@ -4482,7 +4481,7 @@
             <a:effectLst/>
             <a:extLst>
               <a:ext uri="{C572A759-6A51-4108-AA02-DFA0A04FC94B}">
-                <ma14:wrappingTextBoxFlag xmlns="" xmlns:m="http://schemas.openxmlformats.org/officeDocument/2006/math" xmlns:a14="http://schemas.microsoft.com/office/drawing/2010/main" xmlns:ma14="http://schemas.microsoft.com/office/mac/drawingml/2011/main" val="1"/>
+                <ma14:wrappingTextBoxFlag xmlns:ma14="http://schemas.microsoft.com/office/mac/drawingml/2011/main" xmlns:a14="http://schemas.microsoft.com/office/drawing/2010/main" xmlns:m="http://schemas.openxmlformats.org/officeDocument/2006/math" xmlns="" val="1"/>
               </a:ext>
             </a:extLst>
           </p:spPr>
@@ -4627,7 +4626,7 @@
             <a:effectLst/>
             <a:extLst>
               <a:ext uri="{C572A759-6A51-4108-AA02-DFA0A04FC94B}">
-                <ma14:wrappingTextBoxFlag xmlns="" xmlns:m="http://schemas.openxmlformats.org/officeDocument/2006/math" xmlns:a14="http://schemas.microsoft.com/office/drawing/2010/main" xmlns:ma14="http://schemas.microsoft.com/office/mac/drawingml/2011/main" val="1"/>
+                <ma14:wrappingTextBoxFlag xmlns:ma14="http://schemas.microsoft.com/office/mac/drawingml/2011/main" xmlns:a14="http://schemas.microsoft.com/office/drawing/2010/main" xmlns:m="http://schemas.openxmlformats.org/officeDocument/2006/math" xmlns="" val="1"/>
               </a:ext>
             </a:extLst>
           </p:spPr>
@@ -4721,7 +4720,7 @@
             <a:effectLst/>
             <a:extLst>
               <a:ext uri="{C572A759-6A51-4108-AA02-DFA0A04FC94B}">
-                <ma14:wrappingTextBoxFlag xmlns="" xmlns:m="http://schemas.openxmlformats.org/officeDocument/2006/math" xmlns:a14="http://schemas.microsoft.com/office/drawing/2010/main" xmlns:ma14="http://schemas.microsoft.com/office/mac/drawingml/2011/main" val="1"/>
+                <ma14:wrappingTextBoxFlag xmlns:ma14="http://schemas.microsoft.com/office/mac/drawingml/2011/main" xmlns:a14="http://schemas.microsoft.com/office/drawing/2010/main" xmlns:m="http://schemas.openxmlformats.org/officeDocument/2006/math" xmlns="" val="1"/>
               </a:ext>
             </a:extLst>
           </p:spPr>
@@ -6892,7 +6891,7 @@
             <a:effectLst/>
             <a:extLst>
               <a:ext uri="{C572A759-6A51-4108-AA02-DFA0A04FC94B}">
-                <ma14:wrappingTextBoxFlag xmlns="" xmlns:m="http://schemas.openxmlformats.org/officeDocument/2006/math" xmlns:a14="http://schemas.microsoft.com/office/drawing/2010/main" xmlns:ma14="http://schemas.microsoft.com/office/mac/drawingml/2011/main" val="1"/>
+                <ma14:wrappingTextBoxFlag xmlns:ma14="http://schemas.microsoft.com/office/mac/drawingml/2011/main" xmlns:a14="http://schemas.microsoft.com/office/drawing/2010/main" xmlns:m="http://schemas.openxmlformats.org/officeDocument/2006/math" xmlns="" val="1"/>
               </a:ext>
             </a:extLst>
           </p:spPr>
@@ -6939,7 +6938,7 @@
             <a:effectLst/>
             <a:extLst>
               <a:ext uri="{C572A759-6A51-4108-AA02-DFA0A04FC94B}">
-                <ma14:wrappingTextBoxFlag xmlns="" xmlns:m="http://schemas.openxmlformats.org/officeDocument/2006/math" xmlns:a14="http://schemas.microsoft.com/office/drawing/2010/main" xmlns:ma14="http://schemas.microsoft.com/office/mac/drawingml/2011/main" val="1"/>
+                <ma14:wrappingTextBoxFlag xmlns:ma14="http://schemas.microsoft.com/office/mac/drawingml/2011/main" xmlns:a14="http://schemas.microsoft.com/office/drawing/2010/main" xmlns:m="http://schemas.openxmlformats.org/officeDocument/2006/math" xmlns="" val="1"/>
               </a:ext>
             </a:extLst>
           </p:spPr>
@@ -7074,7 +7073,7 @@
             <a:effectLst/>
             <a:extLst>
               <a:ext uri="{C572A759-6A51-4108-AA02-DFA0A04FC94B}">
-                <ma14:wrappingTextBoxFlag xmlns="" xmlns:m="http://schemas.openxmlformats.org/officeDocument/2006/math" xmlns:a14="http://schemas.microsoft.com/office/drawing/2010/main" xmlns:ma14="http://schemas.microsoft.com/office/mac/drawingml/2011/main" val="1"/>
+                <ma14:wrappingTextBoxFlag xmlns:ma14="http://schemas.microsoft.com/office/mac/drawingml/2011/main" xmlns:a14="http://schemas.microsoft.com/office/drawing/2010/main" xmlns:m="http://schemas.openxmlformats.org/officeDocument/2006/math" xmlns="" val="1"/>
               </a:ext>
             </a:extLst>
           </p:spPr>
@@ -7121,7 +7120,7 @@
             <a:effectLst/>
             <a:extLst>
               <a:ext uri="{C572A759-6A51-4108-AA02-DFA0A04FC94B}">
-                <ma14:wrappingTextBoxFlag xmlns="" xmlns:m="http://schemas.openxmlformats.org/officeDocument/2006/math" xmlns:a14="http://schemas.microsoft.com/office/drawing/2010/main" xmlns:ma14="http://schemas.microsoft.com/office/mac/drawingml/2011/main" val="1"/>
+                <ma14:wrappingTextBoxFlag xmlns:ma14="http://schemas.microsoft.com/office/mac/drawingml/2011/main" xmlns:a14="http://schemas.microsoft.com/office/drawing/2010/main" xmlns:m="http://schemas.openxmlformats.org/officeDocument/2006/math" xmlns="" val="1"/>
               </a:ext>
             </a:extLst>
           </p:spPr>
@@ -7256,7 +7255,7 @@
             <a:effectLst/>
             <a:extLst>
               <a:ext uri="{C572A759-6A51-4108-AA02-DFA0A04FC94B}">
-                <ma14:wrappingTextBoxFlag xmlns="" xmlns:m="http://schemas.openxmlformats.org/officeDocument/2006/math" xmlns:a14="http://schemas.microsoft.com/office/drawing/2010/main" xmlns:ma14="http://schemas.microsoft.com/office/mac/drawingml/2011/main" val="1"/>
+                <ma14:wrappingTextBoxFlag xmlns:ma14="http://schemas.microsoft.com/office/mac/drawingml/2011/main" xmlns:a14="http://schemas.microsoft.com/office/drawing/2010/main" xmlns:m="http://schemas.openxmlformats.org/officeDocument/2006/math" xmlns="" val="1"/>
               </a:ext>
             </a:extLst>
           </p:spPr>
@@ -7303,7 +7302,7 @@
             <a:effectLst/>
             <a:extLst>
               <a:ext uri="{C572A759-6A51-4108-AA02-DFA0A04FC94B}">
-                <ma14:wrappingTextBoxFlag xmlns="" xmlns:m="http://schemas.openxmlformats.org/officeDocument/2006/math" xmlns:a14="http://schemas.microsoft.com/office/drawing/2010/main" xmlns:ma14="http://schemas.microsoft.com/office/mac/drawingml/2011/main" val="1"/>
+                <ma14:wrappingTextBoxFlag xmlns:ma14="http://schemas.microsoft.com/office/mac/drawingml/2011/main" xmlns:a14="http://schemas.microsoft.com/office/drawing/2010/main" xmlns:m="http://schemas.openxmlformats.org/officeDocument/2006/math" xmlns="" val="1"/>
               </a:ext>
             </a:extLst>
           </p:spPr>
@@ -7438,7 +7437,7 @@
             <a:effectLst/>
             <a:extLst>
               <a:ext uri="{C572A759-6A51-4108-AA02-DFA0A04FC94B}">
-                <ma14:wrappingTextBoxFlag xmlns="" xmlns:m="http://schemas.openxmlformats.org/officeDocument/2006/math" xmlns:a14="http://schemas.microsoft.com/office/drawing/2010/main" xmlns:ma14="http://schemas.microsoft.com/office/mac/drawingml/2011/main" val="1"/>
+                <ma14:wrappingTextBoxFlag xmlns:ma14="http://schemas.microsoft.com/office/mac/drawingml/2011/main" xmlns:a14="http://schemas.microsoft.com/office/drawing/2010/main" xmlns:m="http://schemas.openxmlformats.org/officeDocument/2006/math" xmlns="" val="1"/>
               </a:ext>
             </a:extLst>
           </p:spPr>
@@ -7485,7 +7484,7 @@
             <a:effectLst/>
             <a:extLst>
               <a:ext uri="{C572A759-6A51-4108-AA02-DFA0A04FC94B}">
-                <ma14:wrappingTextBoxFlag xmlns="" xmlns:m="http://schemas.openxmlformats.org/officeDocument/2006/math" xmlns:a14="http://schemas.microsoft.com/office/drawing/2010/main" xmlns:ma14="http://schemas.microsoft.com/office/mac/drawingml/2011/main" val="1"/>
+                <ma14:wrappingTextBoxFlag xmlns:ma14="http://schemas.microsoft.com/office/mac/drawingml/2011/main" xmlns:a14="http://schemas.microsoft.com/office/drawing/2010/main" xmlns:m="http://schemas.openxmlformats.org/officeDocument/2006/math" xmlns="" val="1"/>
               </a:ext>
             </a:extLst>
           </p:spPr>
@@ -7621,7 +7620,7 @@
             <a:effectLst/>
             <a:extLst>
               <a:ext uri="{C572A759-6A51-4108-AA02-DFA0A04FC94B}">
-                <ma14:wrappingTextBoxFlag xmlns="" xmlns:m="http://schemas.openxmlformats.org/officeDocument/2006/math" xmlns:a14="http://schemas.microsoft.com/office/drawing/2010/main" xmlns:ma14="http://schemas.microsoft.com/office/mac/drawingml/2011/main" val="1"/>
+                <ma14:wrappingTextBoxFlag xmlns:ma14="http://schemas.microsoft.com/office/mac/drawingml/2011/main" xmlns:a14="http://schemas.microsoft.com/office/drawing/2010/main" xmlns:m="http://schemas.openxmlformats.org/officeDocument/2006/math" xmlns="" val="1"/>
               </a:ext>
             </a:extLst>
           </p:spPr>
@@ -7668,7 +7667,7 @@
             <a:effectLst/>
             <a:extLst>
               <a:ext uri="{C572A759-6A51-4108-AA02-DFA0A04FC94B}">
-                <ma14:wrappingTextBoxFlag xmlns="" xmlns:m="http://schemas.openxmlformats.org/officeDocument/2006/math" xmlns:a14="http://schemas.microsoft.com/office/drawing/2010/main" xmlns:ma14="http://schemas.microsoft.com/office/mac/drawingml/2011/main" val="1"/>
+                <ma14:wrappingTextBoxFlag xmlns:ma14="http://schemas.microsoft.com/office/mac/drawingml/2011/main" xmlns:a14="http://schemas.microsoft.com/office/drawing/2010/main" xmlns:m="http://schemas.openxmlformats.org/officeDocument/2006/math" xmlns="" val="1"/>
               </a:ext>
             </a:extLst>
           </p:spPr>
@@ -7804,7 +7803,7 @@
             <a:effectLst/>
             <a:extLst>
               <a:ext uri="{C572A759-6A51-4108-AA02-DFA0A04FC94B}">
-                <ma14:wrappingTextBoxFlag xmlns="" xmlns:m="http://schemas.openxmlformats.org/officeDocument/2006/math" xmlns:a14="http://schemas.microsoft.com/office/drawing/2010/main" xmlns:ma14="http://schemas.microsoft.com/office/mac/drawingml/2011/main" val="1"/>
+                <ma14:wrappingTextBoxFlag xmlns:ma14="http://schemas.microsoft.com/office/mac/drawingml/2011/main" xmlns:a14="http://schemas.microsoft.com/office/drawing/2010/main" xmlns:m="http://schemas.openxmlformats.org/officeDocument/2006/math" xmlns="" val="1"/>
               </a:ext>
             </a:extLst>
           </p:spPr>
@@ -7851,7 +7850,7 @@
             <a:effectLst/>
             <a:extLst>
               <a:ext uri="{C572A759-6A51-4108-AA02-DFA0A04FC94B}">
-                <ma14:wrappingTextBoxFlag xmlns="" xmlns:m="http://schemas.openxmlformats.org/officeDocument/2006/math" xmlns:a14="http://schemas.microsoft.com/office/drawing/2010/main" xmlns:ma14="http://schemas.microsoft.com/office/mac/drawingml/2011/main" val="1"/>
+                <ma14:wrappingTextBoxFlag xmlns:ma14="http://schemas.microsoft.com/office/mac/drawingml/2011/main" xmlns:a14="http://schemas.microsoft.com/office/drawing/2010/main" xmlns:m="http://schemas.openxmlformats.org/officeDocument/2006/math" xmlns="" val="1"/>
               </a:ext>
             </a:extLst>
           </p:spPr>
@@ -7892,7 +7891,7 @@
     <p:bg>
       <p:bgPr>
         <a:blipFill rotWithShape="1">
-          <a:blip r:embed="rId2"/>
+          <a:blip r:embed="rId3"/>
           <a:srcRect/>
           <a:stretch>
             <a:fillRect/>
@@ -7963,17 +7962,23 @@
         <p:nvGraphicFramePr>
           <p:cNvPr id="255" name="Google Shape;269;p26"/>
           <p:cNvGraphicFramePr/>
-          <p:nvPr/>
+          <p:nvPr>
+            <p:extLst>
+              <p:ext uri="{D42A27DB-BD31-4B8C-83A1-F6EECF244321}">
+                <p14:modId xmlns:p14="http://schemas.microsoft.com/office/powerpoint/2010/main" val="3709223145"/>
+              </p:ext>
+            </p:extLst>
+          </p:nvPr>
         </p:nvGraphicFramePr>
         <p:xfrm>
-          <a:off x="959040" y="2112578"/>
-          <a:ext cx="10297850" cy="4192750"/>
+          <a:off x="838200" y="1526122"/>
+          <a:ext cx="10297850" cy="5031300"/>
         </p:xfrm>
         <a:graphic>
           <a:graphicData uri="http://schemas.openxmlformats.org/drawingml/2006/table">
             <a:tbl>
               <a:tblPr firstRow="1" bandRow="1">
-                <a:tableStyleId>{4C3C2611-4C71-4FC5-86AE-919BDF0F9419}</a:tableStyleId>
+                <a:tableStyleId>{33BA23B1-9221-436E-865A-0063620EA4FD}</a:tableStyleId>
               </a:tblPr>
               <a:tblGrid>
                 <a:gridCol w="1846950">
@@ -8036,25 +8041,7 @@
                       </a:r>
                     </a:p>
                   </a:txBody>
-                  <a:tcPr marL="177150" marR="177150" marT="177150" marB="177150" anchor="ctr" horzOverflow="overflow">
-                    <a:lnT>
-                      <a:solidFill>
-                        <a:srgbClr val="000000">
-                          <a:alpha val="0"/>
-                        </a:srgbClr>
-                      </a:solidFill>
-                    </a:lnT>
-                    <a:lnB>
-                      <a:solidFill>
-                        <a:srgbClr val="000000">
-                          <a:alpha val="0"/>
-                        </a:srgbClr>
-                      </a:solidFill>
-                    </a:lnB>
-                    <a:solidFill>
-                      <a:schemeClr val="accent1"/>
-                    </a:solidFill>
-                  </a:tcPr>
+                  <a:tcPr marL="177150" marR="177150" marT="177150" marB="177150" anchor="ctr" horzOverflow="overflow"/>
                 </a:tc>
                 <a:tc>
                   <a:txBody>
@@ -8079,25 +8066,7 @@
                       </a:r>
                     </a:p>
                   </a:txBody>
-                  <a:tcPr marL="177150" marR="177150" marT="177150" marB="177150" anchor="ctr" horzOverflow="overflow">
-                    <a:lnT>
-                      <a:solidFill>
-                        <a:srgbClr val="000000">
-                          <a:alpha val="0"/>
-                        </a:srgbClr>
-                      </a:solidFill>
-                    </a:lnT>
-                    <a:lnB>
-                      <a:solidFill>
-                        <a:srgbClr val="000000">
-                          <a:alpha val="0"/>
-                        </a:srgbClr>
-                      </a:solidFill>
-                    </a:lnB>
-                    <a:solidFill>
-                      <a:schemeClr val="accent1"/>
-                    </a:solidFill>
-                  </a:tcPr>
+                  <a:tcPr marL="177150" marR="177150" marT="177150" marB="177150" anchor="ctr" horzOverflow="overflow"/>
                 </a:tc>
                 <a:tc>
                   <a:txBody>
@@ -8112,7 +8081,7 @@
                         </a:defRPr>
                       </a:pPr>
                       <a:r>
-                        <a:rPr sz="2700">
+                        <a:rPr sz="2700" dirty="0">
                           <a:solidFill>
                             <a:srgbClr val="FFFFFF"/>
                           </a:solidFill>
@@ -8122,25 +8091,7 @@
                       </a:r>
                     </a:p>
                   </a:txBody>
-                  <a:tcPr marL="177150" marR="177150" marT="177150" marB="177150" anchor="ctr" horzOverflow="overflow">
-                    <a:lnT>
-                      <a:solidFill>
-                        <a:srgbClr val="000000">
-                          <a:alpha val="0"/>
-                        </a:srgbClr>
-                      </a:solidFill>
-                    </a:lnT>
-                    <a:lnB>
-                      <a:solidFill>
-                        <a:srgbClr val="000000">
-                          <a:alpha val="0"/>
-                        </a:srgbClr>
-                      </a:solidFill>
-                    </a:lnB>
-                    <a:solidFill>
-                      <a:schemeClr val="accent1"/>
-                    </a:solidFill>
-                  </a:tcPr>
+                  <a:tcPr marL="177150" marR="177150" marT="177150" marB="177150" anchor="ctr" horzOverflow="overflow"/>
                 </a:tc>
                 <a:tc>
                   <a:txBody>
@@ -8165,25 +8116,7 @@
                       </a:r>
                     </a:p>
                   </a:txBody>
-                  <a:tcPr marL="177150" marR="177150" marT="177150" marB="177150" anchor="ctr" horzOverflow="overflow">
-                    <a:lnT>
-                      <a:solidFill>
-                        <a:srgbClr val="000000">
-                          <a:alpha val="0"/>
-                        </a:srgbClr>
-                      </a:solidFill>
-                    </a:lnT>
-                    <a:lnB>
-                      <a:solidFill>
-                        <a:srgbClr val="000000">
-                          <a:alpha val="0"/>
-                        </a:srgbClr>
-                      </a:solidFill>
-                    </a:lnB>
-                    <a:solidFill>
-                      <a:schemeClr val="accent1"/>
-                    </a:solidFill>
-                  </a:tcPr>
+                  <a:tcPr marL="177150" marR="177150" marT="177150" marB="177150" anchor="ctr" horzOverflow="overflow"/>
                 </a:tc>
                 <a:tc>
                   <a:txBody>
@@ -8208,25 +8141,7 @@
                       </a:r>
                     </a:p>
                   </a:txBody>
-                  <a:tcPr marL="177150" marR="177150" marT="177150" marB="177150" anchor="ctr" horzOverflow="overflow">
-                    <a:lnT>
-                      <a:solidFill>
-                        <a:srgbClr val="000000">
-                          <a:alpha val="0"/>
-                        </a:srgbClr>
-                      </a:solidFill>
-                    </a:lnT>
-                    <a:lnB>
-                      <a:solidFill>
-                        <a:srgbClr val="000000">
-                          <a:alpha val="0"/>
-                        </a:srgbClr>
-                      </a:solidFill>
-                    </a:lnB>
-                    <a:solidFill>
-                      <a:schemeClr val="accent1"/>
-                    </a:solidFill>
-                  </a:tcPr>
+                  <a:tcPr marL="177150" marR="177150" marT="177150" marB="177150" anchor="ctr" horzOverflow="overflow"/>
                 </a:tc>
                 <a:extLst>
                   <a:ext uri="{0D108BD9-81ED-4DB2-BD59-A6C34878D82A}">
@@ -8244,39 +8159,14 @@
                         <a:defRPr sz="1800"/>
                       </a:pPr>
                       <a:r>
-                        <a:rPr sz="2700">
+                        <a:rPr sz="2700" dirty="0">
                           <a:sym typeface="Arial"/>
                         </a:rPr>
                         <a:t>Bart</a:t>
                       </a:r>
                     </a:p>
                   </a:txBody>
-                  <a:tcPr marL="177150" marR="177150" marT="177150" marB="177150" anchor="ctr" horzOverflow="overflow">
-                    <a:lnR>
-                      <a:solidFill>
-                        <a:srgbClr val="3F3F3F"/>
-                      </a:solidFill>
-                    </a:lnR>
-                    <a:lnT>
-                      <a:solidFill>
-                        <a:srgbClr val="000000">
-                          <a:alpha val="0"/>
-                        </a:srgbClr>
-                      </a:solidFill>
-                    </a:lnT>
-                    <a:lnB>
-                      <a:solidFill>
-                        <a:srgbClr val="000000">
-                          <a:alpha val="0"/>
-                        </a:srgbClr>
-                      </a:solidFill>
-                    </a:lnB>
-                    <a:solidFill>
-                      <a:srgbClr val="F2F2F2">
-                        <a:alpha val="29802"/>
-                      </a:srgbClr>
-                    </a:solidFill>
-                  </a:tcPr>
+                  <a:tcPr marL="177150" marR="177150" marT="177150" marB="177150" anchor="ctr" horzOverflow="overflow"/>
                 </a:tc>
                 <a:tc>
                   <a:txBody>
@@ -8294,37 +8184,7 @@
                       </a:r>
                     </a:p>
                   </a:txBody>
-                  <a:tcPr marL="177150" marR="177150" marT="177150" marB="177150" anchor="ctr" horzOverflow="overflow">
-                    <a:lnL>
-                      <a:solidFill>
-                        <a:srgbClr val="3F3F3F"/>
-                      </a:solidFill>
-                    </a:lnL>
-                    <a:lnR>
-                      <a:solidFill>
-                        <a:srgbClr val="3F3F3F"/>
-                      </a:solidFill>
-                    </a:lnR>
-                    <a:lnT>
-                      <a:solidFill>
-                        <a:srgbClr val="000000">
-                          <a:alpha val="0"/>
-                        </a:srgbClr>
-                      </a:solidFill>
-                    </a:lnT>
-                    <a:lnB>
-                      <a:solidFill>
-                        <a:srgbClr val="000000">
-                          <a:alpha val="0"/>
-                        </a:srgbClr>
-                      </a:solidFill>
-                    </a:lnB>
-                    <a:solidFill>
-                      <a:srgbClr val="F2F2F2">
-                        <a:alpha val="29802"/>
-                      </a:srgbClr>
-                    </a:solidFill>
-                  </a:tcPr>
+                  <a:tcPr marL="177150" marR="177150" marT="177150" marB="177150" anchor="ctr" horzOverflow="overflow"/>
                 </a:tc>
                 <a:tc>
                   <a:txBody>
@@ -8342,37 +8202,7 @@
                       </a:r>
                     </a:p>
                   </a:txBody>
-                  <a:tcPr marL="177150" marR="177150" marT="177150" marB="177150" anchor="ctr" horzOverflow="overflow">
-                    <a:lnL>
-                      <a:solidFill>
-                        <a:srgbClr val="3F3F3F"/>
-                      </a:solidFill>
-                    </a:lnL>
-                    <a:lnR>
-                      <a:solidFill>
-                        <a:srgbClr val="3F3F3F"/>
-                      </a:solidFill>
-                    </a:lnR>
-                    <a:lnT>
-                      <a:solidFill>
-                        <a:srgbClr val="000000">
-                          <a:alpha val="0"/>
-                        </a:srgbClr>
-                      </a:solidFill>
-                    </a:lnT>
-                    <a:lnB>
-                      <a:solidFill>
-                        <a:srgbClr val="000000">
-                          <a:alpha val="0"/>
-                        </a:srgbClr>
-                      </a:solidFill>
-                    </a:lnB>
-                    <a:solidFill>
-                      <a:srgbClr val="F2F2F2">
-                        <a:alpha val="29802"/>
-                      </a:srgbClr>
-                    </a:solidFill>
-                  </a:tcPr>
+                  <a:tcPr marL="177150" marR="177150" marT="177150" marB="177150" anchor="ctr" horzOverflow="overflow"/>
                 </a:tc>
                 <a:tc>
                   <a:txBody>
@@ -8390,37 +8220,7 @@
                       </a:r>
                     </a:p>
                   </a:txBody>
-                  <a:tcPr marL="177150" marR="177150" marT="177150" marB="177150" anchor="ctr" horzOverflow="overflow">
-                    <a:lnL>
-                      <a:solidFill>
-                        <a:srgbClr val="3F3F3F"/>
-                      </a:solidFill>
-                    </a:lnL>
-                    <a:lnR>
-                      <a:solidFill>
-                        <a:srgbClr val="3F3F3F"/>
-                      </a:solidFill>
-                    </a:lnR>
-                    <a:lnT>
-                      <a:solidFill>
-                        <a:srgbClr val="000000">
-                          <a:alpha val="0"/>
-                        </a:srgbClr>
-                      </a:solidFill>
-                    </a:lnT>
-                    <a:lnB>
-                      <a:solidFill>
-                        <a:srgbClr val="000000">
-                          <a:alpha val="0"/>
-                        </a:srgbClr>
-                      </a:solidFill>
-                    </a:lnB>
-                    <a:solidFill>
-                      <a:srgbClr val="F2F2F2">
-                        <a:alpha val="29802"/>
-                      </a:srgbClr>
-                    </a:solidFill>
-                  </a:tcPr>
+                  <a:tcPr marL="177150" marR="177150" marT="177150" marB="177150" anchor="ctr" horzOverflow="overflow"/>
                 </a:tc>
                 <a:tc>
                   <a:txBody>
@@ -8438,32 +8238,7 @@
                       </a:r>
                     </a:p>
                   </a:txBody>
-                  <a:tcPr marL="177150" marR="177150" marT="177150" marB="177150" anchor="ctr" horzOverflow="overflow">
-                    <a:lnL>
-                      <a:solidFill>
-                        <a:srgbClr val="3F3F3F"/>
-                      </a:solidFill>
-                    </a:lnL>
-                    <a:lnT>
-                      <a:solidFill>
-                        <a:srgbClr val="000000">
-                          <a:alpha val="0"/>
-                        </a:srgbClr>
-                      </a:solidFill>
-                    </a:lnT>
-                    <a:lnB>
-                      <a:solidFill>
-                        <a:srgbClr val="000000">
-                          <a:alpha val="0"/>
-                        </a:srgbClr>
-                      </a:solidFill>
-                    </a:lnB>
-                    <a:solidFill>
-                      <a:srgbClr val="F2F2F2">
-                        <a:alpha val="29802"/>
-                      </a:srgbClr>
-                    </a:solidFill>
-                  </a:tcPr>
+                  <a:tcPr marL="177150" marR="177150" marT="177150" marB="177150" anchor="ctr" horzOverflow="overflow"/>
                 </a:tc>
                 <a:extLst>
                   <a:ext uri="{0D108BD9-81ED-4DB2-BD59-A6C34878D82A}">
@@ -8481,32 +8256,14 @@
                         <a:defRPr sz="1800"/>
                       </a:pPr>
                       <a:r>
-                        <a:rPr sz="2700">
+                        <a:rPr sz="2700" dirty="0">
                           <a:sym typeface="Arial"/>
                         </a:rPr>
                         <a:t>GPT2</a:t>
                       </a:r>
                     </a:p>
                   </a:txBody>
-                  <a:tcPr marL="177150" marR="177150" marT="177150" marB="177150" anchor="ctr" horzOverflow="overflow">
-                    <a:lnT>
-                      <a:solidFill>
-                        <a:srgbClr val="000000">
-                          <a:alpha val="0"/>
-                        </a:srgbClr>
-                      </a:solidFill>
-                    </a:lnT>
-                    <a:lnB>
-                      <a:solidFill>
-                        <a:srgbClr val="000000">
-                          <a:alpha val="0"/>
-                        </a:srgbClr>
-                      </a:solidFill>
-                    </a:lnB>
-                    <a:solidFill>
-                      <a:srgbClr val="F2F2F2"/>
-                    </a:solidFill>
-                  </a:tcPr>
+                  <a:tcPr marL="177150" marR="177150" marT="177150" marB="177150" anchor="ctr" horzOverflow="overflow"/>
                 </a:tc>
                 <a:tc>
                   <a:txBody>
@@ -8524,25 +8281,7 @@
                       </a:r>
                     </a:p>
                   </a:txBody>
-                  <a:tcPr marL="177150" marR="177150" marT="177150" marB="177150" anchor="ctr" horzOverflow="overflow">
-                    <a:lnT>
-                      <a:solidFill>
-                        <a:srgbClr val="000000">
-                          <a:alpha val="0"/>
-                        </a:srgbClr>
-                      </a:solidFill>
-                    </a:lnT>
-                    <a:lnB>
-                      <a:solidFill>
-                        <a:srgbClr val="000000">
-                          <a:alpha val="0"/>
-                        </a:srgbClr>
-                      </a:solidFill>
-                    </a:lnB>
-                    <a:solidFill>
-                      <a:srgbClr val="F2F2F2"/>
-                    </a:solidFill>
-                  </a:tcPr>
+                  <a:tcPr marL="177150" marR="177150" marT="177150" marB="177150" anchor="ctr" horzOverflow="overflow"/>
                 </a:tc>
                 <a:tc>
                   <a:txBody>
@@ -8560,25 +8299,7 @@
                       </a:r>
                     </a:p>
                   </a:txBody>
-                  <a:tcPr marL="177150" marR="177150" marT="177150" marB="177150" anchor="ctr" horzOverflow="overflow">
-                    <a:lnT>
-                      <a:solidFill>
-                        <a:srgbClr val="000000">
-                          <a:alpha val="0"/>
-                        </a:srgbClr>
-                      </a:solidFill>
-                    </a:lnT>
-                    <a:lnB>
-                      <a:solidFill>
-                        <a:srgbClr val="000000">
-                          <a:alpha val="0"/>
-                        </a:srgbClr>
-                      </a:solidFill>
-                    </a:lnB>
-                    <a:solidFill>
-                      <a:srgbClr val="F2F2F2"/>
-                    </a:solidFill>
-                  </a:tcPr>
+                  <a:tcPr marL="177150" marR="177150" marT="177150" marB="177150" anchor="ctr" horzOverflow="overflow"/>
                 </a:tc>
                 <a:tc>
                   <a:txBody>
@@ -8596,25 +8317,7 @@
                       </a:r>
                     </a:p>
                   </a:txBody>
-                  <a:tcPr marL="177150" marR="177150" marT="177150" marB="177150" anchor="ctr" horzOverflow="overflow">
-                    <a:lnT>
-                      <a:solidFill>
-                        <a:srgbClr val="000000">
-                          <a:alpha val="0"/>
-                        </a:srgbClr>
-                      </a:solidFill>
-                    </a:lnT>
-                    <a:lnB>
-                      <a:solidFill>
-                        <a:srgbClr val="000000">
-                          <a:alpha val="0"/>
-                        </a:srgbClr>
-                      </a:solidFill>
-                    </a:lnB>
-                    <a:solidFill>
-                      <a:srgbClr val="F2F2F2"/>
-                    </a:solidFill>
-                  </a:tcPr>
+                  <a:tcPr marL="177150" marR="177150" marT="177150" marB="177150" anchor="ctr" horzOverflow="overflow"/>
                 </a:tc>
                 <a:tc>
                   <a:txBody>
@@ -8632,25 +8335,7 @@
                       </a:r>
                     </a:p>
                   </a:txBody>
-                  <a:tcPr marL="177150" marR="177150" marT="177150" marB="177150" anchor="ctr" horzOverflow="overflow">
-                    <a:lnT>
-                      <a:solidFill>
-                        <a:srgbClr val="000000">
-                          <a:alpha val="0"/>
-                        </a:srgbClr>
-                      </a:solidFill>
-                    </a:lnT>
-                    <a:lnB>
-                      <a:solidFill>
-                        <a:srgbClr val="000000">
-                          <a:alpha val="0"/>
-                        </a:srgbClr>
-                      </a:solidFill>
-                    </a:lnB>
-                    <a:solidFill>
-                      <a:srgbClr val="F2F2F2"/>
-                    </a:solidFill>
-                  </a:tcPr>
+                  <a:tcPr marL="177150" marR="177150" marT="177150" marB="177150" anchor="ctr" horzOverflow="overflow"/>
                 </a:tc>
                 <a:extLst>
                   <a:ext uri="{0D108BD9-81ED-4DB2-BD59-A6C34878D82A}">
@@ -8668,39 +8353,14 @@
                         <a:defRPr sz="1800"/>
                       </a:pPr>
                       <a:r>
-                        <a:rPr sz="2700">
+                        <a:rPr sz="2700" dirty="0">
                           <a:sym typeface="Arial"/>
                         </a:rPr>
                         <a:t>Llama31</a:t>
                       </a:r>
                     </a:p>
                   </a:txBody>
-                  <a:tcPr marL="177150" marR="177150" marT="177150" marB="177150" anchor="ctr" horzOverflow="overflow">
-                    <a:lnR>
-                      <a:solidFill>
-                        <a:srgbClr val="3F3F3F"/>
-                      </a:solidFill>
-                    </a:lnR>
-                    <a:lnT>
-                      <a:solidFill>
-                        <a:srgbClr val="000000">
-                          <a:alpha val="0"/>
-                        </a:srgbClr>
-                      </a:solidFill>
-                    </a:lnT>
-                    <a:lnB>
-                      <a:solidFill>
-                        <a:srgbClr val="000000">
-                          <a:alpha val="0"/>
-                        </a:srgbClr>
-                      </a:solidFill>
-                    </a:lnB>
-                    <a:solidFill>
-                      <a:srgbClr val="F2F2F2">
-                        <a:alpha val="29802"/>
-                      </a:srgbClr>
-                    </a:solidFill>
-                  </a:tcPr>
+                  <a:tcPr marL="177150" marR="177150" marT="177150" marB="177150" anchor="ctr" horzOverflow="overflow"/>
                 </a:tc>
                 <a:tc>
                   <a:txBody>
@@ -8711,44 +8371,14 @@
                         <a:defRPr sz="1800"/>
                       </a:pPr>
                       <a:r>
-                        <a:rPr sz="2700">
+                        <a:rPr sz="2700" dirty="0">
                           <a:sym typeface="Arial"/>
                         </a:rPr>
                         <a:t>0.20</a:t>
                       </a:r>
                     </a:p>
                   </a:txBody>
-                  <a:tcPr marL="177150" marR="177150" marT="177150" marB="177150" anchor="ctr" horzOverflow="overflow">
-                    <a:lnL>
-                      <a:solidFill>
-                        <a:srgbClr val="3F3F3F"/>
-                      </a:solidFill>
-                    </a:lnL>
-                    <a:lnR>
-                      <a:solidFill>
-                        <a:srgbClr val="3F3F3F"/>
-                      </a:solidFill>
-                    </a:lnR>
-                    <a:lnT>
-                      <a:solidFill>
-                        <a:srgbClr val="000000">
-                          <a:alpha val="0"/>
-                        </a:srgbClr>
-                      </a:solidFill>
-                    </a:lnT>
-                    <a:lnB>
-                      <a:solidFill>
-                        <a:srgbClr val="000000">
-                          <a:alpha val="0"/>
-                        </a:srgbClr>
-                      </a:solidFill>
-                    </a:lnB>
-                    <a:solidFill>
-                      <a:srgbClr val="F2F2F2">
-                        <a:alpha val="29802"/>
-                      </a:srgbClr>
-                    </a:solidFill>
-                  </a:tcPr>
+                  <a:tcPr marL="177150" marR="177150" marT="177150" marB="177150" anchor="ctr" horzOverflow="overflow"/>
                 </a:tc>
                 <a:tc>
                   <a:txBody>
@@ -8759,44 +8389,14 @@
                         <a:defRPr sz="1800"/>
                       </a:pPr>
                       <a:r>
-                        <a:rPr sz="2700">
+                        <a:rPr sz="2700" dirty="0">
                           <a:sym typeface="Arial"/>
                         </a:rPr>
                         <a:t>0.10</a:t>
                       </a:r>
                     </a:p>
                   </a:txBody>
-                  <a:tcPr marL="177150" marR="177150" marT="177150" marB="177150" anchor="ctr" horzOverflow="overflow">
-                    <a:lnL>
-                      <a:solidFill>
-                        <a:srgbClr val="3F3F3F"/>
-                      </a:solidFill>
-                    </a:lnL>
-                    <a:lnR>
-                      <a:solidFill>
-                        <a:srgbClr val="3F3F3F"/>
-                      </a:solidFill>
-                    </a:lnR>
-                    <a:lnT>
-                      <a:solidFill>
-                        <a:srgbClr val="000000">
-                          <a:alpha val="0"/>
-                        </a:srgbClr>
-                      </a:solidFill>
-                    </a:lnT>
-                    <a:lnB>
-                      <a:solidFill>
-                        <a:srgbClr val="000000">
-                          <a:alpha val="0"/>
-                        </a:srgbClr>
-                      </a:solidFill>
-                    </a:lnB>
-                    <a:solidFill>
-                      <a:srgbClr val="F2F2F2">
-                        <a:alpha val="29802"/>
-                      </a:srgbClr>
-                    </a:solidFill>
-                  </a:tcPr>
+                  <a:tcPr marL="177150" marR="177150" marT="177150" marB="177150" anchor="ctr" horzOverflow="overflow"/>
                 </a:tc>
                 <a:tc>
                   <a:txBody>
@@ -8814,37 +8414,7 @@
                       </a:r>
                     </a:p>
                   </a:txBody>
-                  <a:tcPr marL="177150" marR="177150" marT="177150" marB="177150" anchor="ctr" horzOverflow="overflow">
-                    <a:lnL>
-                      <a:solidFill>
-                        <a:srgbClr val="3F3F3F"/>
-                      </a:solidFill>
-                    </a:lnL>
-                    <a:lnR>
-                      <a:solidFill>
-                        <a:srgbClr val="3F3F3F"/>
-                      </a:solidFill>
-                    </a:lnR>
-                    <a:lnT>
-                      <a:solidFill>
-                        <a:srgbClr val="000000">
-                          <a:alpha val="0"/>
-                        </a:srgbClr>
-                      </a:solidFill>
-                    </a:lnT>
-                    <a:lnB>
-                      <a:solidFill>
-                        <a:srgbClr val="000000">
-                          <a:alpha val="0"/>
-                        </a:srgbClr>
-                      </a:solidFill>
-                    </a:lnB>
-                    <a:solidFill>
-                      <a:srgbClr val="F2F2F2">
-                        <a:alpha val="29802"/>
-                      </a:srgbClr>
-                    </a:solidFill>
-                  </a:tcPr>
+                  <a:tcPr marL="177150" marR="177150" marT="177150" marB="177150" anchor="ctr" horzOverflow="overflow"/>
                 </a:tc>
                 <a:tc>
                   <a:txBody>
@@ -8862,32 +8432,7 @@
                       </a:r>
                     </a:p>
                   </a:txBody>
-                  <a:tcPr marL="177150" marR="177150" marT="177150" marB="177150" anchor="ctr" horzOverflow="overflow">
-                    <a:lnL>
-                      <a:solidFill>
-                        <a:srgbClr val="3F3F3F"/>
-                      </a:solidFill>
-                    </a:lnL>
-                    <a:lnT>
-                      <a:solidFill>
-                        <a:srgbClr val="000000">
-                          <a:alpha val="0"/>
-                        </a:srgbClr>
-                      </a:solidFill>
-                    </a:lnT>
-                    <a:lnB>
-                      <a:solidFill>
-                        <a:srgbClr val="000000">
-                          <a:alpha val="0"/>
-                        </a:srgbClr>
-                      </a:solidFill>
-                    </a:lnB>
-                    <a:solidFill>
-                      <a:srgbClr val="F2F2F2">
-                        <a:alpha val="29802"/>
-                      </a:srgbClr>
-                    </a:solidFill>
-                  </a:tcPr>
+                  <a:tcPr marL="177150" marR="177150" marT="177150" marB="177150" anchor="ctr" horzOverflow="overflow"/>
                 </a:tc>
                 <a:extLst>
                   <a:ext uri="{0D108BD9-81ED-4DB2-BD59-A6C34878D82A}">
@@ -8905,32 +8450,14 @@
                         <a:defRPr sz="1800"/>
                       </a:pPr>
                       <a:r>
-                        <a:rPr sz="2700">
+                        <a:rPr sz="2700" dirty="0">
                           <a:sym typeface="Arial"/>
                         </a:rPr>
                         <a:t>Mistral</a:t>
                       </a:r>
                     </a:p>
                   </a:txBody>
-                  <a:tcPr marL="177150" marR="177150" marT="177150" marB="177150" anchor="ctr" horzOverflow="overflow">
-                    <a:lnT>
-                      <a:solidFill>
-                        <a:srgbClr val="000000">
-                          <a:alpha val="0"/>
-                        </a:srgbClr>
-                      </a:solidFill>
-                    </a:lnT>
-                    <a:lnB>
-                      <a:solidFill>
-                        <a:srgbClr val="000000">
-                          <a:alpha val="0"/>
-                        </a:srgbClr>
-                      </a:solidFill>
-                    </a:lnB>
-                    <a:solidFill>
-                      <a:srgbClr val="F2F2F2"/>
-                    </a:solidFill>
-                  </a:tcPr>
+                  <a:tcPr marL="177150" marR="177150" marT="177150" marB="177150" anchor="ctr" horzOverflow="overflow"/>
                 </a:tc>
                 <a:tc>
                   <a:txBody>
@@ -8941,32 +8468,14 @@
                         <a:defRPr sz="1800"/>
                       </a:pPr>
                       <a:r>
-                        <a:rPr sz="2700">
+                        <a:rPr sz="2700" dirty="0">
                           <a:sym typeface="Arial"/>
                         </a:rPr>
                         <a:t>0.26</a:t>
                       </a:r>
                     </a:p>
                   </a:txBody>
-                  <a:tcPr marL="177150" marR="177150" marT="177150" marB="177150" anchor="ctr" horzOverflow="overflow">
-                    <a:lnT>
-                      <a:solidFill>
-                        <a:srgbClr val="000000">
-                          <a:alpha val="0"/>
-                        </a:srgbClr>
-                      </a:solidFill>
-                    </a:lnT>
-                    <a:lnB>
-                      <a:solidFill>
-                        <a:srgbClr val="000000">
-                          <a:alpha val="0"/>
-                        </a:srgbClr>
-                      </a:solidFill>
-                    </a:lnB>
-                    <a:solidFill>
-                      <a:srgbClr val="F2F2F2"/>
-                    </a:solidFill>
-                  </a:tcPr>
+                  <a:tcPr marL="177150" marR="177150" marT="177150" marB="177150" anchor="ctr" horzOverflow="overflow"/>
                 </a:tc>
                 <a:tc>
                   <a:txBody>
@@ -8977,32 +8486,14 @@
                         <a:defRPr sz="1800"/>
                       </a:pPr>
                       <a:r>
-                        <a:rPr sz="2700">
+                        <a:rPr sz="2700" dirty="0">
                           <a:sym typeface="Arial"/>
                         </a:rPr>
                         <a:t>0.08</a:t>
                       </a:r>
                     </a:p>
                   </a:txBody>
-                  <a:tcPr marL="177150" marR="177150" marT="177150" marB="177150" anchor="ctr" horzOverflow="overflow">
-                    <a:lnT>
-                      <a:solidFill>
-                        <a:srgbClr val="000000">
-                          <a:alpha val="0"/>
-                        </a:srgbClr>
-                      </a:solidFill>
-                    </a:lnT>
-                    <a:lnB>
-                      <a:solidFill>
-                        <a:srgbClr val="000000">
-                          <a:alpha val="0"/>
-                        </a:srgbClr>
-                      </a:solidFill>
-                    </a:lnB>
-                    <a:solidFill>
-                      <a:srgbClr val="F2F2F2"/>
-                    </a:solidFill>
-                  </a:tcPr>
+                  <a:tcPr marL="177150" marR="177150" marT="177150" marB="177150" anchor="ctr" horzOverflow="overflow"/>
                 </a:tc>
                 <a:tc>
                   <a:txBody>
@@ -9013,32 +8504,14 @@
                         <a:defRPr sz="1800"/>
                       </a:pPr>
                       <a:r>
-                        <a:rPr sz="2700" b="1">
+                        <a:rPr sz="2700" b="1" dirty="0">
                           <a:sym typeface="Arial"/>
                         </a:rPr>
                         <a:t>0.21</a:t>
                       </a:r>
                     </a:p>
                   </a:txBody>
-                  <a:tcPr marL="177150" marR="177150" marT="177150" marB="177150" anchor="ctr" horzOverflow="overflow">
-                    <a:lnT>
-                      <a:solidFill>
-                        <a:srgbClr val="000000">
-                          <a:alpha val="0"/>
-                        </a:srgbClr>
-                      </a:solidFill>
-                    </a:lnT>
-                    <a:lnB>
-                      <a:solidFill>
-                        <a:srgbClr val="000000">
-                          <a:alpha val="0"/>
-                        </a:srgbClr>
-                      </a:solidFill>
-                    </a:lnB>
-                    <a:solidFill>
-                      <a:srgbClr val="F2F2F2"/>
-                    </a:solidFill>
-                  </a:tcPr>
+                  <a:tcPr marL="177150" marR="177150" marT="177150" marB="177150" anchor="ctr" horzOverflow="overflow"/>
                 </a:tc>
                 <a:tc>
                   <a:txBody>
@@ -9049,36 +8522,130 @@
                         <a:defRPr sz="1800"/>
                       </a:pPr>
                       <a:r>
-                        <a:rPr sz="2700">
+                        <a:rPr sz="2700" dirty="0">
                           <a:sym typeface="Arial"/>
                         </a:rPr>
                         <a:t>0.20</a:t>
                       </a:r>
                     </a:p>
                   </a:txBody>
-                  <a:tcPr marL="177150" marR="177150" marT="177150" marB="177150" anchor="ctr" horzOverflow="overflow">
-                    <a:lnT>
-                      <a:solidFill>
-                        <a:srgbClr val="000000">
-                          <a:alpha val="0"/>
-                        </a:srgbClr>
-                      </a:solidFill>
-                    </a:lnT>
-                    <a:lnB>
-                      <a:solidFill>
-                        <a:srgbClr val="000000">
-                          <a:alpha val="0"/>
-                        </a:srgbClr>
-                      </a:solidFill>
-                    </a:lnB>
-                    <a:solidFill>
-                      <a:srgbClr val="F2F2F2"/>
-                    </a:solidFill>
-                  </a:tcPr>
+                  <a:tcPr marL="177150" marR="177150" marT="177150" marB="177150" anchor="ctr" horzOverflow="overflow"/>
                 </a:tc>
                 <a:extLst>
                   <a:ext uri="{0D108BD9-81ED-4DB2-BD59-A6C34878D82A}">
                     <a16:rowId xmlns:a16="http://schemas.microsoft.com/office/drawing/2014/main" val="10004"/>
+                  </a:ext>
+                </a:extLst>
+              </a:tr>
+              <a:tr h="838550">
+                <a:tc>
+                  <a:txBody>
+                    <a:bodyPr/>
+                    <a:lstStyle/>
+                    <a:p>
+                      <a:pPr algn="l">
+                        <a:defRPr sz="1800"/>
+                      </a:pPr>
+                      <a:r>
+                        <a:rPr lang="en-US" sz="2700" dirty="0">
+                          <a:sym typeface="Arial"/>
+                        </a:rPr>
+                        <a:t>Qwen1.5</a:t>
+                      </a:r>
+                      <a:endParaRPr sz="2700" dirty="0">
+                        <a:sym typeface="Arial"/>
+                      </a:endParaRPr>
+                    </a:p>
+                  </a:txBody>
+                  <a:tcPr marL="177150" marR="177150" marT="177150" marB="177150" anchor="ctr" horzOverflow="overflow"/>
+                </a:tc>
+                <a:tc>
+                  <a:txBody>
+                    <a:bodyPr/>
+                    <a:lstStyle/>
+                    <a:p>
+                      <a:pPr algn="l">
+                        <a:defRPr sz="1800"/>
+                      </a:pPr>
+                      <a:r>
+                        <a:rPr lang="en-US" sz="2700" dirty="0">
+                          <a:sym typeface="Arial"/>
+                        </a:rPr>
+                        <a:t>0.58</a:t>
+                      </a:r>
+                      <a:endParaRPr sz="2700" dirty="0">
+                        <a:sym typeface="Arial"/>
+                      </a:endParaRPr>
+                    </a:p>
+                  </a:txBody>
+                  <a:tcPr marL="177150" marR="177150" marT="177150" marB="177150" anchor="ctr" horzOverflow="overflow"/>
+                </a:tc>
+                <a:tc>
+                  <a:txBody>
+                    <a:bodyPr/>
+                    <a:lstStyle/>
+                    <a:p>
+                      <a:pPr algn="l">
+                        <a:defRPr sz="1800"/>
+                      </a:pPr>
+                      <a:r>
+                        <a:rPr lang="en-US" sz="2700" dirty="0">
+                          <a:sym typeface="Arial"/>
+                        </a:rPr>
+                        <a:t>0.28</a:t>
+                      </a:r>
+                      <a:endParaRPr sz="2700" dirty="0">
+                        <a:sym typeface="Arial"/>
+                      </a:endParaRPr>
+                    </a:p>
+                  </a:txBody>
+                  <a:tcPr marL="177150" marR="177150" marT="177150" marB="177150" anchor="ctr" horzOverflow="overflow"/>
+                </a:tc>
+                <a:tc>
+                  <a:txBody>
+                    <a:bodyPr/>
+                    <a:lstStyle/>
+                    <a:p>
+                      <a:pPr algn="l">
+                        <a:defRPr sz="1800"/>
+                      </a:pPr>
+                      <a:r>
+                        <a:rPr lang="en-US" sz="2700" b="1" dirty="0">
+                          <a:sym typeface="Arial"/>
+                        </a:rPr>
+                        <a:t>0.51</a:t>
+                      </a:r>
+                      <a:endParaRPr sz="2700" b="1" dirty="0">
+                        <a:sym typeface="Arial"/>
+                      </a:endParaRPr>
+                    </a:p>
+                  </a:txBody>
+                  <a:tcPr marL="177150" marR="177150" marT="177150" marB="177150" anchor="ctr" horzOverflow="overflow"/>
+                </a:tc>
+                <a:tc>
+                  <a:txBody>
+                    <a:bodyPr/>
+                    <a:lstStyle/>
+                    <a:p>
+                      <a:pPr algn="l">
+                        <a:defRPr sz="1800"/>
+                      </a:pPr>
+                      <a:r>
+                        <a:rPr lang="en-US" sz="2700" dirty="0">
+                          <a:sym typeface="Arial"/>
+                        </a:rPr>
+                        <a:t>0.54</a:t>
+                      </a:r>
+                      <a:endParaRPr sz="2700" dirty="0">
+                        <a:sym typeface="Arial"/>
+                      </a:endParaRPr>
+                    </a:p>
+                  </a:txBody>
+                  <a:tcPr marL="177150" marR="177150" marT="177150" marB="177150" anchor="ctr" horzOverflow="overflow"/>
+                </a:tc>
+                <a:extLst>
+                  <a:ext uri="{0D108BD9-81ED-4DB2-BD59-A6C34878D82A}">
+                    <a16:rowId xmlns:a16="http://schemas.microsoft.com/office/drawing/2014/main" val="509827209"/>
                   </a:ext>
                 </a:extLst>
               </a:tr>
@@ -9089,7 +8656,7 @@
     </p:spTree>
   </p:cSld>
   <p:clrMapOvr>
-    <a:masterClrMapping/>
+    <a:overrideClrMapping bg1="lt1" tx1="dk1" bg2="lt2" tx2="dk2" accent1="accent1" accent2="accent2" accent3="accent3" accent4="accent4" accent5="accent5" accent6="accent6" hlink="hlink" folHlink="folHlink"/>
   </p:clrMapOvr>
   <p:transition spd="med"/>
 </p:sld>
@@ -9242,7 +8809,7 @@
             <a:effectLst/>
             <a:extLst>
               <a:ext uri="{C572A759-6A51-4108-AA02-DFA0A04FC94B}">
-                <ma14:wrappingTextBoxFlag xmlns="" xmlns:m="http://schemas.openxmlformats.org/officeDocument/2006/math" xmlns:a14="http://schemas.microsoft.com/office/drawing/2010/main" xmlns:ma14="http://schemas.microsoft.com/office/mac/drawingml/2011/main" val="1"/>
+                <ma14:wrappingTextBoxFlag xmlns:ma14="http://schemas.microsoft.com/office/mac/drawingml/2011/main" xmlns:a14="http://schemas.microsoft.com/office/drawing/2010/main" xmlns:m="http://schemas.openxmlformats.org/officeDocument/2006/math" xmlns="" val="1"/>
               </a:ext>
             </a:extLst>
           </p:spPr>
@@ -9344,7 +8911,7 @@
             <a:effectLst/>
             <a:extLst>
               <a:ext uri="{C572A759-6A51-4108-AA02-DFA0A04FC94B}">
-                <ma14:wrappingTextBoxFlag xmlns="" xmlns:m="http://schemas.openxmlformats.org/officeDocument/2006/math" xmlns:a14="http://schemas.microsoft.com/office/drawing/2010/main" xmlns:ma14="http://schemas.microsoft.com/office/mac/drawingml/2011/main" val="1"/>
+                <ma14:wrappingTextBoxFlag xmlns:ma14="http://schemas.microsoft.com/office/mac/drawingml/2011/main" xmlns:a14="http://schemas.microsoft.com/office/drawing/2010/main" xmlns:m="http://schemas.openxmlformats.org/officeDocument/2006/math" xmlns="" val="1"/>
               </a:ext>
             </a:extLst>
           </p:spPr>
@@ -9555,7 +9122,7 @@
             <a:effectLst/>
             <a:extLst>
               <a:ext uri="{C572A759-6A51-4108-AA02-DFA0A04FC94B}">
-                <ma14:wrappingTextBoxFlag xmlns="" xmlns:m="http://schemas.openxmlformats.org/officeDocument/2006/math" xmlns:a14="http://schemas.microsoft.com/office/drawing/2010/main" xmlns:ma14="http://schemas.microsoft.com/office/mac/drawingml/2011/main" val="1"/>
+                <ma14:wrappingTextBoxFlag xmlns:ma14="http://schemas.microsoft.com/office/mac/drawingml/2011/main" xmlns:a14="http://schemas.microsoft.com/office/drawing/2010/main" xmlns:m="http://schemas.openxmlformats.org/officeDocument/2006/math" xmlns="" val="1"/>
               </a:ext>
             </a:extLst>
           </p:spPr>
@@ -9657,7 +9224,7 @@
             <a:effectLst/>
             <a:extLst>
               <a:ext uri="{C572A759-6A51-4108-AA02-DFA0A04FC94B}">
-                <ma14:wrappingTextBoxFlag xmlns="" xmlns:m="http://schemas.openxmlformats.org/officeDocument/2006/math" xmlns:a14="http://schemas.microsoft.com/office/drawing/2010/main" xmlns:ma14="http://schemas.microsoft.com/office/mac/drawingml/2011/main" val="1"/>
+                <ma14:wrappingTextBoxFlag xmlns:ma14="http://schemas.microsoft.com/office/mac/drawingml/2011/main" xmlns:a14="http://schemas.microsoft.com/office/drawing/2010/main" xmlns:m="http://schemas.openxmlformats.org/officeDocument/2006/math" xmlns="" val="1"/>
               </a:ext>
             </a:extLst>
           </p:spPr>
@@ -9757,7 +9324,7 @@
             <a:effectLst/>
             <a:extLst>
               <a:ext uri="{C572A759-6A51-4108-AA02-DFA0A04FC94B}">
-                <ma14:wrappingTextBoxFlag xmlns="" xmlns:m="http://schemas.openxmlformats.org/officeDocument/2006/math" xmlns:a14="http://schemas.microsoft.com/office/drawing/2010/main" xmlns:ma14="http://schemas.microsoft.com/office/mac/drawingml/2011/main" val="1"/>
+                <ma14:wrappingTextBoxFlag xmlns:ma14="http://schemas.microsoft.com/office/mac/drawingml/2011/main" xmlns:a14="http://schemas.microsoft.com/office/drawing/2010/main" xmlns:m="http://schemas.openxmlformats.org/officeDocument/2006/math" xmlns="" val="1"/>
               </a:ext>
             </a:extLst>
           </p:spPr>
@@ -9872,7 +9439,7 @@
             <a:effectLst/>
             <a:extLst>
               <a:ext uri="{C572A759-6A51-4108-AA02-DFA0A04FC94B}">
-                <ma14:wrappingTextBoxFlag xmlns="" xmlns:m="http://schemas.openxmlformats.org/officeDocument/2006/math" xmlns:a14="http://schemas.microsoft.com/office/drawing/2010/main" xmlns:ma14="http://schemas.microsoft.com/office/mac/drawingml/2011/main" val="1"/>
+                <ma14:wrappingTextBoxFlag xmlns:ma14="http://schemas.microsoft.com/office/mac/drawingml/2011/main" xmlns:a14="http://schemas.microsoft.com/office/drawing/2010/main" xmlns:m="http://schemas.openxmlformats.org/officeDocument/2006/math" xmlns="" val="1"/>
               </a:ext>
             </a:extLst>
           </p:spPr>
@@ -10342,87 +9909,6 @@
 </p:sld>
 </file>
 
-<file path=ppt/slides/slide18.xml><?xml version="1.0" encoding="utf-8"?>
-<p:sld xmlns:a="http://schemas.openxmlformats.org/drawingml/2006/main" xmlns:r="http://schemas.openxmlformats.org/officeDocument/2006/relationships" xmlns:p="http://schemas.openxmlformats.org/presentationml/2006/main">
-  <p:cSld>
-    <p:spTree>
-      <p:nvGrpSpPr>
-        <p:cNvPr id="1" name=""/>
-        <p:cNvGrpSpPr/>
-        <p:nvPr/>
-      </p:nvGrpSpPr>
-      <p:grpSpPr>
-        <a:xfrm>
-          <a:off x="0" y="0"/>
-          <a:ext cx="0" cy="0"/>
-          <a:chOff x="0" y="0"/>
-          <a:chExt cx="0" cy="0"/>
-        </a:xfrm>
-      </p:grpSpPr>
-      <p:sp>
-        <p:nvSpPr>
-          <p:cNvPr id="2" name="Title 1">
-            <a:extLst>
-              <a:ext uri="{FF2B5EF4-FFF2-40B4-BE49-F238E27FC236}">
-                <a16:creationId xmlns:a16="http://schemas.microsoft.com/office/drawing/2014/main" id="{DE5C5AF6-8A86-6D6A-5848-38FF6032BC2C}"/>
-              </a:ext>
-            </a:extLst>
-          </p:cNvPr>
-          <p:cNvSpPr>
-            <a:spLocks noGrp="1"/>
-          </p:cNvSpPr>
-          <p:nvPr>
-            <p:ph type="title"/>
-          </p:nvPr>
-        </p:nvSpPr>
-        <p:spPr/>
-        <p:txBody>
-          <a:bodyPr/>
-          <a:lstStyle/>
-          <a:p>
-            <a:endParaRPr lang="en-US"/>
-          </a:p>
-        </p:txBody>
-      </p:sp>
-      <p:sp>
-        <p:nvSpPr>
-          <p:cNvPr id="3" name="Text Placeholder 2">
-            <a:extLst>
-              <a:ext uri="{FF2B5EF4-FFF2-40B4-BE49-F238E27FC236}">
-                <a16:creationId xmlns:a16="http://schemas.microsoft.com/office/drawing/2014/main" id="{0F55936C-AA3F-005C-C3CA-D6070F268BCA}"/>
-              </a:ext>
-            </a:extLst>
-          </p:cNvPr>
-          <p:cNvSpPr>
-            <a:spLocks noGrp="1"/>
-          </p:cNvSpPr>
-          <p:nvPr>
-            <p:ph type="body" idx="1"/>
-          </p:nvPr>
-        </p:nvSpPr>
-        <p:spPr/>
-        <p:txBody>
-          <a:bodyPr/>
-          <a:lstStyle/>
-          <a:p>
-            <a:endParaRPr lang="en-US" dirty="0"/>
-          </a:p>
-        </p:txBody>
-      </p:sp>
-    </p:spTree>
-    <p:extLst>
-      <p:ext uri="{BB962C8B-B14F-4D97-AF65-F5344CB8AC3E}">
-        <p14:creationId xmlns:p14="http://schemas.microsoft.com/office/powerpoint/2010/main" val="3009885238"/>
-      </p:ext>
-    </p:extLst>
-  </p:cSld>
-  <p:clrMapOvr>
-    <a:masterClrMapping/>
-  </p:clrMapOvr>
-  <p:transition spd="med"/>
-</p:sld>
-</file>
-
 <file path=ppt/slides/slide2.xml><?xml version="1.0" encoding="utf-8"?>
 <p:sld xmlns:a="http://schemas.openxmlformats.org/drawingml/2006/main" xmlns:r="http://schemas.openxmlformats.org/officeDocument/2006/relationships" xmlns:p="http://schemas.openxmlformats.org/presentationml/2006/main">
   <p:cSld>
@@ -10711,7 +10197,7 @@
             <a:effectLst/>
             <a:extLst>
               <a:ext uri="{C572A759-6A51-4108-AA02-DFA0A04FC94B}">
-                <ma14:wrappingTextBoxFlag xmlns="" xmlns:m="http://schemas.openxmlformats.org/officeDocument/2006/math" xmlns:a14="http://schemas.microsoft.com/office/drawing/2010/main" xmlns:ma14="http://schemas.microsoft.com/office/mac/drawingml/2011/main" val="1"/>
+                <ma14:wrappingTextBoxFlag xmlns:ma14="http://schemas.microsoft.com/office/mac/drawingml/2011/main" xmlns:a14="http://schemas.microsoft.com/office/drawing/2010/main" xmlns:m="http://schemas.openxmlformats.org/officeDocument/2006/math" xmlns="" val="1"/>
               </a:ext>
             </a:extLst>
           </p:spPr>
@@ -10847,7 +10333,7 @@
             <a:effectLst/>
             <a:extLst>
               <a:ext uri="{C572A759-6A51-4108-AA02-DFA0A04FC94B}">
-                <ma14:wrappingTextBoxFlag xmlns="" xmlns:m="http://schemas.openxmlformats.org/officeDocument/2006/math" xmlns:a14="http://schemas.microsoft.com/office/drawing/2010/main" xmlns:ma14="http://schemas.microsoft.com/office/mac/drawingml/2011/main" val="1"/>
+                <ma14:wrappingTextBoxFlag xmlns:ma14="http://schemas.microsoft.com/office/mac/drawingml/2011/main" xmlns:a14="http://schemas.microsoft.com/office/drawing/2010/main" xmlns:m="http://schemas.openxmlformats.org/officeDocument/2006/math" xmlns="" val="1"/>
               </a:ext>
             </a:extLst>
           </p:spPr>
@@ -10983,7 +10469,7 @@
             <a:effectLst/>
             <a:extLst>
               <a:ext uri="{C572A759-6A51-4108-AA02-DFA0A04FC94B}">
-                <ma14:wrappingTextBoxFlag xmlns="" xmlns:m="http://schemas.openxmlformats.org/officeDocument/2006/math" xmlns:a14="http://schemas.microsoft.com/office/drawing/2010/main" xmlns:ma14="http://schemas.microsoft.com/office/mac/drawingml/2011/main" val="1"/>
+                <ma14:wrappingTextBoxFlag xmlns:ma14="http://schemas.microsoft.com/office/mac/drawingml/2011/main" xmlns:a14="http://schemas.microsoft.com/office/drawing/2010/main" xmlns:m="http://schemas.openxmlformats.org/officeDocument/2006/math" xmlns="" val="1"/>
               </a:ext>
             </a:extLst>
           </p:spPr>
@@ -11119,7 +10605,7 @@
             <a:effectLst/>
             <a:extLst>
               <a:ext uri="{C572A759-6A51-4108-AA02-DFA0A04FC94B}">
-                <ma14:wrappingTextBoxFlag xmlns="" xmlns:m="http://schemas.openxmlformats.org/officeDocument/2006/math" xmlns:a14="http://schemas.microsoft.com/office/drawing/2010/main" xmlns:ma14="http://schemas.microsoft.com/office/mac/drawingml/2011/main" val="1"/>
+                <ma14:wrappingTextBoxFlag xmlns:ma14="http://schemas.microsoft.com/office/mac/drawingml/2011/main" xmlns:a14="http://schemas.microsoft.com/office/drawing/2010/main" xmlns:m="http://schemas.openxmlformats.org/officeDocument/2006/math" xmlns="" val="1"/>
               </a:ext>
             </a:extLst>
           </p:spPr>
@@ -11231,7 +10717,13 @@
         <p:nvGraphicFramePr>
           <p:cNvPr id="144" name="Google Shape;102;p16"/>
           <p:cNvGraphicFramePr/>
-          <p:nvPr/>
+          <p:nvPr>
+            <p:extLst>
+              <p:ext uri="{D42A27DB-BD31-4B8C-83A1-F6EECF244321}">
+                <p14:modId xmlns:p14="http://schemas.microsoft.com/office/powerpoint/2010/main" val="778067049"/>
+              </p:ext>
+            </p:extLst>
+          </p:nvPr>
         </p:nvGraphicFramePr>
         <p:xfrm>
           <a:off x="644055" y="2189089"/>
@@ -12081,10 +11573,14 @@
                         <a:schemeClr val="accent1"/>
                       </a:solidFill>
                     </a:lnT>
-                    <a:lnB>
+                    <a:lnB w="9525" cap="flat" cmpd="sng" algn="ctr">
                       <a:solidFill>
                         <a:schemeClr val="accent1"/>
                       </a:solidFill>
+                      <a:prstDash val="solid"/>
+                      <a:round/>
+                      <a:headEnd type="none" w="med" len="med"/>
+                      <a:tailEnd type="none" w="med" len="med"/>
                     </a:lnB>
                     <a:solidFill>
                       <a:srgbClr val="FFFFFF">
@@ -12115,10 +11611,14 @@
                         <a:schemeClr val="accent1"/>
                       </a:solidFill>
                     </a:lnT>
-                    <a:lnB>
+                    <a:lnB w="9525" cap="flat" cmpd="sng" algn="ctr">
                       <a:solidFill>
                         <a:schemeClr val="accent1"/>
                       </a:solidFill>
+                      <a:prstDash val="solid"/>
+                      <a:round/>
+                      <a:headEnd type="none" w="med" len="med"/>
+                      <a:tailEnd type="none" w="med" len="med"/>
                     </a:lnB>
                     <a:solidFill>
                       <a:srgbClr val="FFFFFF">
@@ -12149,10 +11649,14 @@
                         <a:schemeClr val="accent1"/>
                       </a:solidFill>
                     </a:lnT>
-                    <a:lnB>
+                    <a:lnB w="9525" cap="flat" cmpd="sng" algn="ctr">
                       <a:solidFill>
                         <a:schemeClr val="accent1"/>
                       </a:solidFill>
+                      <a:prstDash val="solid"/>
+                      <a:round/>
+                      <a:headEnd type="none" w="med" len="med"/>
+                      <a:tailEnd type="none" w="med" len="med"/>
                     </a:lnB>
                     <a:solidFill>
                       <a:srgbClr val="FFFFFF">
@@ -12183,10 +11687,14 @@
                         <a:schemeClr val="accent1"/>
                       </a:solidFill>
                     </a:lnT>
-                    <a:lnB>
+                    <a:lnB w="9525" cap="flat" cmpd="sng" algn="ctr">
                       <a:solidFill>
                         <a:schemeClr val="accent1"/>
                       </a:solidFill>
+                      <a:prstDash val="solid"/>
+                      <a:round/>
+                      <a:headEnd type="none" w="med" len="med"/>
+                      <a:tailEnd type="none" w="med" len="med"/>
                     </a:lnB>
                     <a:solidFill>
                       <a:srgbClr val="FFFFFF">
@@ -12204,7 +11712,7 @@
                         <a:defRPr sz="1800"/>
                       </a:pPr>
                       <a:r>
-                        <a:rPr sz="2300">
+                        <a:rPr sz="2300" dirty="0">
                           <a:sym typeface="Arial"/>
                         </a:rPr>
                         <a:t>ROUGE Score</a:t>
@@ -12222,10 +11730,14 @@
                         <a:schemeClr val="accent1"/>
                       </a:solidFill>
                     </a:lnT>
-                    <a:lnB>
+                    <a:lnB w="9525" cap="flat" cmpd="sng" algn="ctr">
                       <a:solidFill>
                         <a:schemeClr val="accent1"/>
                       </a:solidFill>
+                      <a:prstDash val="solid"/>
+                      <a:round/>
+                      <a:headEnd type="none" w="med" len="med"/>
+                      <a:tailEnd type="none" w="med" len="med"/>
                     </a:lnB>
                     <a:solidFill>
                       <a:srgbClr val="FFFFFF">
@@ -12450,7 +11962,7 @@
             <a:effectLst/>
             <a:extLst>
               <a:ext uri="{C572A759-6A51-4108-AA02-DFA0A04FC94B}">
-                <ma14:wrappingTextBoxFlag xmlns="" xmlns:m="http://schemas.openxmlformats.org/officeDocument/2006/math" xmlns:a14="http://schemas.microsoft.com/office/drawing/2010/main" xmlns:ma14="http://schemas.microsoft.com/office/mac/drawingml/2011/main" val="1"/>
+                <ma14:wrappingTextBoxFlag xmlns:ma14="http://schemas.microsoft.com/office/mac/drawingml/2011/main" xmlns:a14="http://schemas.microsoft.com/office/drawing/2010/main" xmlns:m="http://schemas.openxmlformats.org/officeDocument/2006/math" xmlns="" val="1"/>
               </a:ext>
             </a:extLst>
           </p:spPr>
@@ -12497,7 +12009,7 @@
             <a:effectLst/>
             <a:extLst>
               <a:ext uri="{C572A759-6A51-4108-AA02-DFA0A04FC94B}">
-                <ma14:wrappingTextBoxFlag xmlns="" xmlns:m="http://schemas.openxmlformats.org/officeDocument/2006/math" xmlns:a14="http://schemas.microsoft.com/office/drawing/2010/main" xmlns:ma14="http://schemas.microsoft.com/office/mac/drawingml/2011/main" val="1"/>
+                <ma14:wrappingTextBoxFlag xmlns:ma14="http://schemas.microsoft.com/office/mac/drawingml/2011/main" xmlns:a14="http://schemas.microsoft.com/office/drawing/2010/main" xmlns:m="http://schemas.openxmlformats.org/officeDocument/2006/math" xmlns="" val="1"/>
               </a:ext>
             </a:extLst>
           </p:spPr>
@@ -12649,7 +12161,7 @@
             <a:effectLst/>
             <a:extLst>
               <a:ext uri="{C572A759-6A51-4108-AA02-DFA0A04FC94B}">
-                <ma14:wrappingTextBoxFlag xmlns="" xmlns:m="http://schemas.openxmlformats.org/officeDocument/2006/math" xmlns:a14="http://schemas.microsoft.com/office/drawing/2010/main" xmlns:ma14="http://schemas.microsoft.com/office/mac/drawingml/2011/main" val="1"/>
+                <ma14:wrappingTextBoxFlag xmlns:ma14="http://schemas.microsoft.com/office/mac/drawingml/2011/main" xmlns:a14="http://schemas.microsoft.com/office/drawing/2010/main" xmlns:m="http://schemas.openxmlformats.org/officeDocument/2006/math" xmlns="" val="1"/>
               </a:ext>
             </a:extLst>
           </p:spPr>
@@ -12696,7 +12208,7 @@
             <a:effectLst/>
             <a:extLst>
               <a:ext uri="{C572A759-6A51-4108-AA02-DFA0A04FC94B}">
-                <ma14:wrappingTextBoxFlag xmlns="" xmlns:m="http://schemas.openxmlformats.org/officeDocument/2006/math" xmlns:a14="http://schemas.microsoft.com/office/drawing/2010/main" xmlns:ma14="http://schemas.microsoft.com/office/mac/drawingml/2011/main" val="1"/>
+                <ma14:wrappingTextBoxFlag xmlns:ma14="http://schemas.microsoft.com/office/mac/drawingml/2011/main" xmlns:a14="http://schemas.microsoft.com/office/drawing/2010/main" xmlns:m="http://schemas.openxmlformats.org/officeDocument/2006/math" xmlns="" val="1"/>
               </a:ext>
             </a:extLst>
           </p:spPr>
@@ -12831,7 +12343,7 @@
             <a:effectLst/>
             <a:extLst>
               <a:ext uri="{C572A759-6A51-4108-AA02-DFA0A04FC94B}">
-                <ma14:wrappingTextBoxFlag xmlns="" xmlns:m="http://schemas.openxmlformats.org/officeDocument/2006/math" xmlns:a14="http://schemas.microsoft.com/office/drawing/2010/main" xmlns:ma14="http://schemas.microsoft.com/office/mac/drawingml/2011/main" val="1"/>
+                <ma14:wrappingTextBoxFlag xmlns:ma14="http://schemas.microsoft.com/office/mac/drawingml/2011/main" xmlns:a14="http://schemas.microsoft.com/office/drawing/2010/main" xmlns:m="http://schemas.openxmlformats.org/officeDocument/2006/math" xmlns="" val="1"/>
               </a:ext>
             </a:extLst>
           </p:spPr>
@@ -12878,7 +12390,7 @@
             <a:effectLst/>
             <a:extLst>
               <a:ext uri="{C572A759-6A51-4108-AA02-DFA0A04FC94B}">
-                <ma14:wrappingTextBoxFlag xmlns="" xmlns:m="http://schemas.openxmlformats.org/officeDocument/2006/math" xmlns:a14="http://schemas.microsoft.com/office/drawing/2010/main" xmlns:ma14="http://schemas.microsoft.com/office/mac/drawingml/2011/main" val="1"/>
+                <ma14:wrappingTextBoxFlag xmlns:ma14="http://schemas.microsoft.com/office/mac/drawingml/2011/main" xmlns:a14="http://schemas.microsoft.com/office/drawing/2010/main" xmlns:m="http://schemas.openxmlformats.org/officeDocument/2006/math" xmlns="" val="1"/>
               </a:ext>
             </a:extLst>
           </p:spPr>
@@ -13013,7 +12525,7 @@
             <a:effectLst/>
             <a:extLst>
               <a:ext uri="{C572A759-6A51-4108-AA02-DFA0A04FC94B}">
-                <ma14:wrappingTextBoxFlag xmlns="" xmlns:m="http://schemas.openxmlformats.org/officeDocument/2006/math" xmlns:a14="http://schemas.microsoft.com/office/drawing/2010/main" xmlns:ma14="http://schemas.microsoft.com/office/mac/drawingml/2011/main" val="1"/>
+                <ma14:wrappingTextBoxFlag xmlns:ma14="http://schemas.microsoft.com/office/mac/drawingml/2011/main" xmlns:a14="http://schemas.microsoft.com/office/drawing/2010/main" xmlns:m="http://schemas.openxmlformats.org/officeDocument/2006/math" xmlns="" val="1"/>
               </a:ext>
             </a:extLst>
           </p:spPr>
@@ -13060,7 +12572,7 @@
             <a:effectLst/>
             <a:extLst>
               <a:ext uri="{C572A759-6A51-4108-AA02-DFA0A04FC94B}">
-                <ma14:wrappingTextBoxFlag xmlns="" xmlns:m="http://schemas.openxmlformats.org/officeDocument/2006/math" xmlns:a14="http://schemas.microsoft.com/office/drawing/2010/main" xmlns:ma14="http://schemas.microsoft.com/office/mac/drawingml/2011/main" val="1"/>
+                <ma14:wrappingTextBoxFlag xmlns:ma14="http://schemas.microsoft.com/office/mac/drawingml/2011/main" xmlns:a14="http://schemas.microsoft.com/office/drawing/2010/main" xmlns:m="http://schemas.openxmlformats.org/officeDocument/2006/math" xmlns="" val="1"/>
               </a:ext>
             </a:extLst>
           </p:spPr>
@@ -13195,7 +12707,7 @@
             <a:effectLst/>
             <a:extLst>
               <a:ext uri="{C572A759-6A51-4108-AA02-DFA0A04FC94B}">
-                <ma14:wrappingTextBoxFlag xmlns="" xmlns:m="http://schemas.openxmlformats.org/officeDocument/2006/math" xmlns:a14="http://schemas.microsoft.com/office/drawing/2010/main" xmlns:ma14="http://schemas.microsoft.com/office/mac/drawingml/2011/main" val="1"/>
+                <ma14:wrappingTextBoxFlag xmlns:ma14="http://schemas.microsoft.com/office/mac/drawingml/2011/main" xmlns:a14="http://schemas.microsoft.com/office/drawing/2010/main" xmlns:m="http://schemas.openxmlformats.org/officeDocument/2006/math" xmlns="" val="1"/>
               </a:ext>
             </a:extLst>
           </p:spPr>
@@ -13242,7 +12754,7 @@
             <a:effectLst/>
             <a:extLst>
               <a:ext uri="{C572A759-6A51-4108-AA02-DFA0A04FC94B}">
-                <ma14:wrappingTextBoxFlag xmlns="" xmlns:m="http://schemas.openxmlformats.org/officeDocument/2006/math" xmlns:a14="http://schemas.microsoft.com/office/drawing/2010/main" xmlns:ma14="http://schemas.microsoft.com/office/mac/drawingml/2011/main" val="1"/>
+                <ma14:wrappingTextBoxFlag xmlns:ma14="http://schemas.microsoft.com/office/mac/drawingml/2011/main" xmlns:a14="http://schemas.microsoft.com/office/drawing/2010/main" xmlns:m="http://schemas.openxmlformats.org/officeDocument/2006/math" xmlns="" val="1"/>
               </a:ext>
             </a:extLst>
           </p:spPr>
@@ -13377,7 +12889,7 @@
             <a:effectLst/>
             <a:extLst>
               <a:ext uri="{C572A759-6A51-4108-AA02-DFA0A04FC94B}">
-                <ma14:wrappingTextBoxFlag xmlns="" xmlns:m="http://schemas.openxmlformats.org/officeDocument/2006/math" xmlns:a14="http://schemas.microsoft.com/office/drawing/2010/main" xmlns:ma14="http://schemas.microsoft.com/office/mac/drawingml/2011/main" val="1"/>
+                <ma14:wrappingTextBoxFlag xmlns:ma14="http://schemas.microsoft.com/office/mac/drawingml/2011/main" xmlns:a14="http://schemas.microsoft.com/office/drawing/2010/main" xmlns:m="http://schemas.openxmlformats.org/officeDocument/2006/math" xmlns="" val="1"/>
               </a:ext>
             </a:extLst>
           </p:spPr>
@@ -13424,7 +12936,7 @@
             <a:effectLst/>
             <a:extLst>
               <a:ext uri="{C572A759-6A51-4108-AA02-DFA0A04FC94B}">
-                <ma14:wrappingTextBoxFlag xmlns="" xmlns:m="http://schemas.openxmlformats.org/officeDocument/2006/math" xmlns:a14="http://schemas.microsoft.com/office/drawing/2010/main" xmlns:ma14="http://schemas.microsoft.com/office/mac/drawingml/2011/main" val="1"/>
+                <ma14:wrappingTextBoxFlag xmlns:ma14="http://schemas.microsoft.com/office/mac/drawingml/2011/main" xmlns:a14="http://schemas.microsoft.com/office/drawing/2010/main" xmlns:m="http://schemas.openxmlformats.org/officeDocument/2006/math" xmlns="" val="1"/>
               </a:ext>
             </a:extLst>
           </p:spPr>
@@ -14815,7 +14327,7 @@
             <a:effectLst/>
             <a:extLst>
               <a:ext uri="{C572A759-6A51-4108-AA02-DFA0A04FC94B}">
-                <ma14:wrappingTextBoxFlag xmlns="" xmlns:m="http://schemas.openxmlformats.org/officeDocument/2006/math" xmlns:a14="http://schemas.microsoft.com/office/drawing/2010/main" xmlns:ma14="http://schemas.microsoft.com/office/mac/drawingml/2011/main" val="1"/>
+                <ma14:wrappingTextBoxFlag xmlns:ma14="http://schemas.microsoft.com/office/mac/drawingml/2011/main" xmlns:a14="http://schemas.microsoft.com/office/drawing/2010/main" xmlns:m="http://schemas.openxmlformats.org/officeDocument/2006/math" xmlns="" val="1"/>
               </a:ext>
             </a:extLst>
           </p:spPr>
@@ -14916,7 +14428,7 @@
             <a:effectLst/>
             <a:extLst>
               <a:ext uri="{C572A759-6A51-4108-AA02-DFA0A04FC94B}">
-                <ma14:wrappingTextBoxFlag xmlns="" xmlns:m="http://schemas.openxmlformats.org/officeDocument/2006/math" xmlns:a14="http://schemas.microsoft.com/office/drawing/2010/main" xmlns:ma14="http://schemas.microsoft.com/office/mac/drawingml/2011/main" val="1"/>
+                <ma14:wrappingTextBoxFlag xmlns:ma14="http://schemas.microsoft.com/office/mac/drawingml/2011/main" xmlns:a14="http://schemas.microsoft.com/office/drawing/2010/main" xmlns:m="http://schemas.openxmlformats.org/officeDocument/2006/math" xmlns="" val="1"/>
               </a:ext>
             </a:extLst>
           </p:spPr>
@@ -15040,7 +14552,7 @@
             <a:effectLst/>
             <a:extLst>
               <a:ext uri="{C572A759-6A51-4108-AA02-DFA0A04FC94B}">
-                <ma14:wrappingTextBoxFlag xmlns="" xmlns:m="http://schemas.openxmlformats.org/officeDocument/2006/math" xmlns:a14="http://schemas.microsoft.com/office/drawing/2010/main" xmlns:ma14="http://schemas.microsoft.com/office/mac/drawingml/2011/main" val="1"/>
+                <ma14:wrappingTextBoxFlag xmlns:ma14="http://schemas.microsoft.com/office/mac/drawingml/2011/main" xmlns:a14="http://schemas.microsoft.com/office/drawing/2010/main" xmlns:m="http://schemas.openxmlformats.org/officeDocument/2006/math" xmlns="" val="1"/>
               </a:ext>
             </a:extLst>
           </p:spPr>
@@ -15141,7 +14653,7 @@
             <a:effectLst/>
             <a:extLst>
               <a:ext uri="{C572A759-6A51-4108-AA02-DFA0A04FC94B}">
-                <ma14:wrappingTextBoxFlag xmlns="" xmlns:m="http://schemas.openxmlformats.org/officeDocument/2006/math" xmlns:a14="http://schemas.microsoft.com/office/drawing/2010/main" xmlns:ma14="http://schemas.microsoft.com/office/mac/drawingml/2011/main" val="1"/>
+                <ma14:wrappingTextBoxFlag xmlns:ma14="http://schemas.microsoft.com/office/mac/drawingml/2011/main" xmlns:a14="http://schemas.microsoft.com/office/drawing/2010/main" xmlns:m="http://schemas.openxmlformats.org/officeDocument/2006/math" xmlns="" val="1"/>
               </a:ext>
             </a:extLst>
           </p:spPr>
@@ -15240,7 +14752,7 @@
             <a:effectLst/>
             <a:extLst>
               <a:ext uri="{C572A759-6A51-4108-AA02-DFA0A04FC94B}">
-                <ma14:wrappingTextBoxFlag xmlns="" xmlns:m="http://schemas.openxmlformats.org/officeDocument/2006/math" xmlns:a14="http://schemas.microsoft.com/office/drawing/2010/main" xmlns:ma14="http://schemas.microsoft.com/office/mac/drawingml/2011/main" val="1"/>
+                <ma14:wrappingTextBoxFlag xmlns:ma14="http://schemas.microsoft.com/office/mac/drawingml/2011/main" xmlns:a14="http://schemas.microsoft.com/office/drawing/2010/main" xmlns:m="http://schemas.openxmlformats.org/officeDocument/2006/math" xmlns="" val="1"/>
               </a:ext>
             </a:extLst>
           </p:spPr>
@@ -15341,7 +14853,7 @@
             <a:effectLst/>
             <a:extLst>
               <a:ext uri="{C572A759-6A51-4108-AA02-DFA0A04FC94B}">
-                <ma14:wrappingTextBoxFlag xmlns="" xmlns:m="http://schemas.openxmlformats.org/officeDocument/2006/math" xmlns:a14="http://schemas.microsoft.com/office/drawing/2010/main" xmlns:ma14="http://schemas.microsoft.com/office/mac/drawingml/2011/main" val="1"/>
+                <ma14:wrappingTextBoxFlag xmlns:ma14="http://schemas.microsoft.com/office/mac/drawingml/2011/main" xmlns:a14="http://schemas.microsoft.com/office/drawing/2010/main" xmlns:m="http://schemas.openxmlformats.org/officeDocument/2006/math" xmlns="" val="1"/>
               </a:ext>
             </a:extLst>
           </p:spPr>
@@ -18078,6 +17590,49 @@
 </a:themeOverride>
 </file>
 
+<file path=ppt/theme/themeOverride3.xml><?xml version="1.0" encoding="utf-8"?>
+<a:themeOverride xmlns:a="http://schemas.openxmlformats.org/drawingml/2006/main">
+  <a:clrScheme name="Luxe">
+    <a:dk1>
+      <a:srgbClr val="000000"/>
+    </a:dk1>
+    <a:lt1>
+      <a:srgbClr val="FFFFFF"/>
+    </a:lt1>
+    <a:dk2>
+      <a:srgbClr val="A7A7A7"/>
+    </a:dk2>
+    <a:lt2>
+      <a:srgbClr val="535353"/>
+    </a:lt2>
+    <a:accent1>
+      <a:srgbClr val="5D4037"/>
+    </a:accent1>
+    <a:accent2>
+      <a:srgbClr val="455A64"/>
+    </a:accent2>
+    <a:accent3>
+      <a:srgbClr val="57BB8A"/>
+    </a:accent3>
+    <a:accent4>
+      <a:srgbClr val="78909C"/>
+    </a:accent4>
+    <a:accent5>
+      <a:srgbClr val="607D8B"/>
+    </a:accent5>
+    <a:accent6>
+      <a:srgbClr val="DCE755"/>
+    </a:accent6>
+    <a:hlink>
+      <a:srgbClr val="0000FF"/>
+    </a:hlink>
+    <a:folHlink>
+      <a:srgbClr val="FF00FF"/>
+    </a:folHlink>
+  </a:clrScheme>
+</a:themeOverride>
+</file>
+
 <file path=docMetadata/LabelInfo.xml><?xml version="1.0" encoding="utf-8"?>
 <clbl:labelList xmlns:clbl="http://schemas.microsoft.com/office/2020/mipLabelMetadata">
   <clbl:label id="{94523dde-f9d1-4aa7-80a9-c0900420d3c3}" enabled="1" method="Privileged" siteId="{3dd8961f-e488-4e60-8e11-a82d994e183d}" contentBits="0" removed="0"/>

--- a/Group_18_Email_Subject_Generation_and_QA_Final_updated_3.pptx
+++ b/Group_18_Email_Subject_Generation_and_QA_Final_updated_3.pptx
@@ -2643,7 +2643,7 @@
           </a:ln>
           <a:extLst>
             <a:ext uri="{C572A759-6A51-4108-AA02-DFA0A04FC94B}">
-              <ma14:wrappingTextBoxFlag xmlns:ma14="http://schemas.microsoft.com/office/mac/drawingml/2011/main" xmlns:a14="http://schemas.microsoft.com/office/drawing/2010/main" xmlns:m="http://schemas.openxmlformats.org/officeDocument/2006/math" xmlns="" val="1"/>
+              <ma14:wrappingTextBoxFlag xmlns="" xmlns:m="http://schemas.openxmlformats.org/officeDocument/2006/math" xmlns:a14="http://schemas.microsoft.com/office/drawing/2010/main" xmlns:ma14="http://schemas.microsoft.com/office/mac/drawingml/2011/main" val="1"/>
             </a:ext>
           </a:extLst>
         </p:spPr>
@@ -2682,7 +2682,7 @@
           </a:ln>
           <a:extLst>
             <a:ext uri="{C572A759-6A51-4108-AA02-DFA0A04FC94B}">
-              <ma14:wrappingTextBoxFlag xmlns:ma14="http://schemas.microsoft.com/office/mac/drawingml/2011/main" xmlns:a14="http://schemas.microsoft.com/office/drawing/2010/main" xmlns:m="http://schemas.openxmlformats.org/officeDocument/2006/math" xmlns="" val="1"/>
+              <ma14:wrappingTextBoxFlag xmlns="" xmlns:m="http://schemas.openxmlformats.org/officeDocument/2006/math" xmlns:a14="http://schemas.microsoft.com/office/drawing/2010/main" xmlns:ma14="http://schemas.microsoft.com/office/mac/drawingml/2011/main" val="1"/>
             </a:ext>
           </a:extLst>
         </p:spPr>
@@ -3891,7 +3891,7 @@
             <a:effectLst/>
             <a:extLst>
               <a:ext uri="{C572A759-6A51-4108-AA02-DFA0A04FC94B}">
-                <ma14:wrappingTextBoxFlag xmlns:ma14="http://schemas.microsoft.com/office/mac/drawingml/2011/main" xmlns:a14="http://schemas.microsoft.com/office/drawing/2010/main" xmlns:m="http://schemas.openxmlformats.org/officeDocument/2006/math" xmlns="" val="1"/>
+                <ma14:wrappingTextBoxFlag xmlns="" xmlns:m="http://schemas.openxmlformats.org/officeDocument/2006/math" xmlns:a14="http://schemas.microsoft.com/office/drawing/2010/main" xmlns:ma14="http://schemas.microsoft.com/office/mac/drawingml/2011/main" val="1"/>
               </a:ext>
             </a:extLst>
           </p:spPr>
@@ -3985,7 +3985,7 @@
             <a:effectLst/>
             <a:extLst>
               <a:ext uri="{C572A759-6A51-4108-AA02-DFA0A04FC94B}">
-                <ma14:wrappingTextBoxFlag xmlns:ma14="http://schemas.microsoft.com/office/mac/drawingml/2011/main" xmlns:a14="http://schemas.microsoft.com/office/drawing/2010/main" xmlns:m="http://schemas.openxmlformats.org/officeDocument/2006/math" xmlns="" val="1"/>
+                <ma14:wrappingTextBoxFlag xmlns="" xmlns:m="http://schemas.openxmlformats.org/officeDocument/2006/math" xmlns:a14="http://schemas.microsoft.com/office/drawing/2010/main" xmlns:ma14="http://schemas.microsoft.com/office/mac/drawingml/2011/main" val="1"/>
               </a:ext>
             </a:extLst>
           </p:spPr>
@@ -4130,7 +4130,7 @@
             <a:effectLst/>
             <a:extLst>
               <a:ext uri="{C572A759-6A51-4108-AA02-DFA0A04FC94B}">
-                <ma14:wrappingTextBoxFlag xmlns:ma14="http://schemas.microsoft.com/office/mac/drawingml/2011/main" xmlns:a14="http://schemas.microsoft.com/office/drawing/2010/main" xmlns:m="http://schemas.openxmlformats.org/officeDocument/2006/math" xmlns="" val="1"/>
+                <ma14:wrappingTextBoxFlag xmlns="" xmlns:m="http://schemas.openxmlformats.org/officeDocument/2006/math" xmlns:a14="http://schemas.microsoft.com/office/drawing/2010/main" xmlns:ma14="http://schemas.microsoft.com/office/mac/drawingml/2011/main" val="1"/>
               </a:ext>
             </a:extLst>
           </p:spPr>
@@ -4242,7 +4242,7 @@
             <a:effectLst/>
             <a:extLst>
               <a:ext uri="{C572A759-6A51-4108-AA02-DFA0A04FC94B}">
-                <ma14:wrappingTextBoxFlag xmlns:ma14="http://schemas.microsoft.com/office/mac/drawingml/2011/main" xmlns:a14="http://schemas.microsoft.com/office/drawing/2010/main" xmlns:m="http://schemas.openxmlformats.org/officeDocument/2006/math" xmlns="" val="1"/>
+                <ma14:wrappingTextBoxFlag xmlns="" xmlns:m="http://schemas.openxmlformats.org/officeDocument/2006/math" xmlns:a14="http://schemas.microsoft.com/office/drawing/2010/main" xmlns:ma14="http://schemas.microsoft.com/office/mac/drawingml/2011/main" val="1"/>
               </a:ext>
             </a:extLst>
           </p:spPr>
@@ -4387,7 +4387,7 @@
             <a:effectLst/>
             <a:extLst>
               <a:ext uri="{C572A759-6A51-4108-AA02-DFA0A04FC94B}">
-                <ma14:wrappingTextBoxFlag xmlns:ma14="http://schemas.microsoft.com/office/mac/drawingml/2011/main" xmlns:a14="http://schemas.microsoft.com/office/drawing/2010/main" xmlns:m="http://schemas.openxmlformats.org/officeDocument/2006/math" xmlns="" val="1"/>
+                <ma14:wrappingTextBoxFlag xmlns="" xmlns:m="http://schemas.openxmlformats.org/officeDocument/2006/math" xmlns:a14="http://schemas.microsoft.com/office/drawing/2010/main" xmlns:ma14="http://schemas.microsoft.com/office/mac/drawingml/2011/main" val="1"/>
               </a:ext>
             </a:extLst>
           </p:spPr>
@@ -4481,7 +4481,7 @@
             <a:effectLst/>
             <a:extLst>
               <a:ext uri="{C572A759-6A51-4108-AA02-DFA0A04FC94B}">
-                <ma14:wrappingTextBoxFlag xmlns:ma14="http://schemas.microsoft.com/office/mac/drawingml/2011/main" xmlns:a14="http://schemas.microsoft.com/office/drawing/2010/main" xmlns:m="http://schemas.openxmlformats.org/officeDocument/2006/math" xmlns="" val="1"/>
+                <ma14:wrappingTextBoxFlag xmlns="" xmlns:m="http://schemas.openxmlformats.org/officeDocument/2006/math" xmlns:a14="http://schemas.microsoft.com/office/drawing/2010/main" xmlns:ma14="http://schemas.microsoft.com/office/mac/drawingml/2011/main" val="1"/>
               </a:ext>
             </a:extLst>
           </p:spPr>
@@ -4626,7 +4626,7 @@
             <a:effectLst/>
             <a:extLst>
               <a:ext uri="{C572A759-6A51-4108-AA02-DFA0A04FC94B}">
-                <ma14:wrappingTextBoxFlag xmlns:ma14="http://schemas.microsoft.com/office/mac/drawingml/2011/main" xmlns:a14="http://schemas.microsoft.com/office/drawing/2010/main" xmlns:m="http://schemas.openxmlformats.org/officeDocument/2006/math" xmlns="" val="1"/>
+                <ma14:wrappingTextBoxFlag xmlns="" xmlns:m="http://schemas.openxmlformats.org/officeDocument/2006/math" xmlns:a14="http://schemas.microsoft.com/office/drawing/2010/main" xmlns:ma14="http://schemas.microsoft.com/office/mac/drawingml/2011/main" val="1"/>
               </a:ext>
             </a:extLst>
           </p:spPr>
@@ -4720,7 +4720,7 @@
             <a:effectLst/>
             <a:extLst>
               <a:ext uri="{C572A759-6A51-4108-AA02-DFA0A04FC94B}">
-                <ma14:wrappingTextBoxFlag xmlns:ma14="http://schemas.microsoft.com/office/mac/drawingml/2011/main" xmlns:a14="http://schemas.microsoft.com/office/drawing/2010/main" xmlns:m="http://schemas.openxmlformats.org/officeDocument/2006/math" xmlns="" val="1"/>
+                <ma14:wrappingTextBoxFlag xmlns="" xmlns:m="http://schemas.openxmlformats.org/officeDocument/2006/math" xmlns:a14="http://schemas.microsoft.com/office/drawing/2010/main" xmlns:ma14="http://schemas.microsoft.com/office/mac/drawingml/2011/main" val="1"/>
               </a:ext>
             </a:extLst>
           </p:spPr>
@@ -5183,7 +5183,7 @@
           <p:nvPr>
             <p:extLst>
               <p:ext uri="{D42A27DB-BD31-4B8C-83A1-F6EECF244321}">
-                <p14:modId xmlns:p14="http://schemas.microsoft.com/office/powerpoint/2010/main" val="1771587080"/>
+                <p14:modId xmlns:p14="http://schemas.microsoft.com/office/powerpoint/2010/main" val="765380022"/>
               </p:ext>
             </p:extLst>
           </p:nvPr>
@@ -5196,7 +5196,7 @@
           <a:graphicData uri="http://schemas.openxmlformats.org/drawingml/2006/table">
             <a:tbl>
               <a:tblPr firstRow="1" bandRow="1">
-                <a:tableStyleId>{4C3C2611-4C71-4FC5-86AE-919BDF0F9419}</a:tableStyleId>
+                <a:tableStyleId>{17292A2E-F333-43FB-9621-5CBBE7FDCDCB}</a:tableStyleId>
               </a:tblPr>
               <a:tblGrid>
                 <a:gridCol w="1149325">
@@ -5256,33 +5256,7 @@
                       </a:r>
                     </a:p>
                   </a:txBody>
-                  <a:tcPr marL="67475" marR="67475" marT="67475" marB="67475" anchor="ctr" horzOverflow="overflow">
-                    <a:lnL w="12700">
-                      <a:solidFill>
-                        <a:schemeClr val="accent3"/>
-                      </a:solidFill>
-                    </a:lnL>
-                    <a:lnR w="12700">
-                      <a:solidFill>
-                        <a:schemeClr val="accent3"/>
-                      </a:solidFill>
-                    </a:lnR>
-                    <a:lnT w="12700">
-                      <a:solidFill>
-                        <a:schemeClr val="accent3"/>
-                      </a:solidFill>
-                    </a:lnT>
-                    <a:lnB w="25400">
-                      <a:solidFill>
-                        <a:schemeClr val="accent3"/>
-                      </a:solidFill>
-                    </a:lnB>
-                    <a:solidFill>
-                      <a:srgbClr val="FFFFFF">
-                        <a:alpha val="0"/>
-                      </a:srgbClr>
-                    </a:solidFill>
-                  </a:tcPr>
+                  <a:tcPr marL="67475" marR="67475" marT="67475" marB="67475" anchor="ctr" horzOverflow="overflow"/>
                 </a:tc>
                 <a:tc>
                   <a:txBody>
@@ -5304,33 +5278,7 @@
                       </a:r>
                     </a:p>
                   </a:txBody>
-                  <a:tcPr marL="67475" marR="67475" marT="67475" marB="67475" anchor="ctr" horzOverflow="overflow">
-                    <a:lnL w="12700">
-                      <a:solidFill>
-                        <a:schemeClr val="accent3"/>
-                      </a:solidFill>
-                    </a:lnL>
-                    <a:lnR w="12700">
-                      <a:solidFill>
-                        <a:schemeClr val="accent3"/>
-                      </a:solidFill>
-                    </a:lnR>
-                    <a:lnT w="12700">
-                      <a:solidFill>
-                        <a:schemeClr val="accent3"/>
-                      </a:solidFill>
-                    </a:lnT>
-                    <a:lnB w="25400">
-                      <a:solidFill>
-                        <a:schemeClr val="accent3"/>
-                      </a:solidFill>
-                    </a:lnB>
-                    <a:solidFill>
-                      <a:srgbClr val="FFFFFF">
-                        <a:alpha val="0"/>
-                      </a:srgbClr>
-                    </a:solidFill>
-                  </a:tcPr>
+                  <a:tcPr marL="67475" marR="67475" marT="67475" marB="67475" anchor="ctr" horzOverflow="overflow"/>
                 </a:tc>
                 <a:tc>
                   <a:txBody>
@@ -5352,33 +5300,7 @@
                       </a:r>
                     </a:p>
                   </a:txBody>
-                  <a:tcPr marL="67475" marR="67475" marT="67475" marB="67475" anchor="ctr" horzOverflow="overflow">
-                    <a:lnL w="12700">
-                      <a:solidFill>
-                        <a:schemeClr val="accent3"/>
-                      </a:solidFill>
-                    </a:lnL>
-                    <a:lnR w="12700">
-                      <a:solidFill>
-                        <a:schemeClr val="accent3"/>
-                      </a:solidFill>
-                    </a:lnR>
-                    <a:lnT w="12700">
-                      <a:solidFill>
-                        <a:schemeClr val="accent3"/>
-                      </a:solidFill>
-                    </a:lnT>
-                    <a:lnB w="25400">
-                      <a:solidFill>
-                        <a:schemeClr val="accent3"/>
-                      </a:solidFill>
-                    </a:lnB>
-                    <a:solidFill>
-                      <a:srgbClr val="FFFFFF">
-                        <a:alpha val="0"/>
-                      </a:srgbClr>
-                    </a:solidFill>
-                  </a:tcPr>
+                  <a:tcPr marL="67475" marR="67475" marT="67475" marB="67475" anchor="ctr" horzOverflow="overflow"/>
                 </a:tc>
                 <a:tc>
                   <a:txBody>
@@ -5400,33 +5322,7 @@
                       </a:r>
                     </a:p>
                   </a:txBody>
-                  <a:tcPr marL="67475" marR="67475" marT="67475" marB="67475" anchor="ctr" horzOverflow="overflow">
-                    <a:lnL w="12700">
-                      <a:solidFill>
-                        <a:schemeClr val="accent3"/>
-                      </a:solidFill>
-                    </a:lnL>
-                    <a:lnR w="12700">
-                      <a:solidFill>
-                        <a:schemeClr val="accent3"/>
-                      </a:solidFill>
-                    </a:lnR>
-                    <a:lnT w="12700">
-                      <a:solidFill>
-                        <a:schemeClr val="accent3"/>
-                      </a:solidFill>
-                    </a:lnT>
-                    <a:lnB w="25400">
-                      <a:solidFill>
-                        <a:schemeClr val="accent3"/>
-                      </a:solidFill>
-                    </a:lnB>
-                    <a:solidFill>
-                      <a:srgbClr val="FFFFFF">
-                        <a:alpha val="0"/>
-                      </a:srgbClr>
-                    </a:solidFill>
-                  </a:tcPr>
+                  <a:tcPr marL="67475" marR="67475" marT="67475" marB="67475" anchor="ctr" horzOverflow="overflow"/>
                 </a:tc>
                 <a:tc>
                   <a:txBody>
@@ -5448,33 +5344,7 @@
                       </a:r>
                     </a:p>
                   </a:txBody>
-                  <a:tcPr marL="67475" marR="67475" marT="67475" marB="67475" anchor="ctr" horzOverflow="overflow">
-                    <a:lnL w="12700">
-                      <a:solidFill>
-                        <a:schemeClr val="accent3"/>
-                      </a:solidFill>
-                    </a:lnL>
-                    <a:lnR w="12700">
-                      <a:solidFill>
-                        <a:schemeClr val="accent3"/>
-                      </a:solidFill>
-                    </a:lnR>
-                    <a:lnT w="12700">
-                      <a:solidFill>
-                        <a:schemeClr val="accent3"/>
-                      </a:solidFill>
-                    </a:lnT>
-                    <a:lnB w="25400">
-                      <a:solidFill>
-                        <a:schemeClr val="accent3"/>
-                      </a:solidFill>
-                    </a:lnB>
-                    <a:solidFill>
-                      <a:srgbClr val="FFFFFF">
-                        <a:alpha val="0"/>
-                      </a:srgbClr>
-                    </a:solidFill>
-                  </a:tcPr>
+                  <a:tcPr marL="67475" marR="67475" marT="67475" marB="67475" anchor="ctr" horzOverflow="overflow"/>
                 </a:tc>
                 <a:extLst>
                   <a:ext uri="{0D108BD9-81ED-4DB2-BD59-A6C34878D82A}">
@@ -5499,33 +5369,7 @@
                       </a:r>
                     </a:p>
                   </a:txBody>
-                  <a:tcPr marL="67475" marR="67475" marT="67475" marB="67475" anchor="ctr" horzOverflow="overflow">
-                    <a:lnL w="12700">
-                      <a:solidFill>
-                        <a:schemeClr val="accent3"/>
-                      </a:solidFill>
-                    </a:lnL>
-                    <a:lnR w="12700">
-                      <a:solidFill>
-                        <a:schemeClr val="accent3"/>
-                      </a:solidFill>
-                    </a:lnR>
-                    <a:lnT w="25400">
-                      <a:solidFill>
-                        <a:schemeClr val="accent3"/>
-                      </a:solidFill>
-                    </a:lnT>
-                    <a:lnB w="12700">
-                      <a:solidFill>
-                        <a:schemeClr val="accent3"/>
-                      </a:solidFill>
-                    </a:lnB>
-                    <a:solidFill>
-                      <a:schemeClr val="accent3">
-                        <a:alpha val="20000"/>
-                      </a:schemeClr>
-                    </a:solidFill>
-                  </a:tcPr>
+                  <a:tcPr marL="67475" marR="67475" marT="67475" marB="67475" anchor="ctr" horzOverflow="overflow"/>
                 </a:tc>
                 <a:tc>
                   <a:txBody>
@@ -5543,33 +5387,7 @@
                       </a:r>
                     </a:p>
                   </a:txBody>
-                  <a:tcPr marL="67475" marR="67475" marT="67475" marB="67475" anchor="ctr" horzOverflow="overflow">
-                    <a:lnL w="12700">
-                      <a:solidFill>
-                        <a:schemeClr val="accent3"/>
-                      </a:solidFill>
-                    </a:lnL>
-                    <a:lnR w="12700">
-                      <a:solidFill>
-                        <a:schemeClr val="accent3"/>
-                      </a:solidFill>
-                    </a:lnR>
-                    <a:lnT w="25400">
-                      <a:solidFill>
-                        <a:schemeClr val="accent3"/>
-                      </a:solidFill>
-                    </a:lnT>
-                    <a:lnB w="12700">
-                      <a:solidFill>
-                        <a:schemeClr val="accent3"/>
-                      </a:solidFill>
-                    </a:lnB>
-                    <a:solidFill>
-                      <a:schemeClr val="accent3">
-                        <a:alpha val="20000"/>
-                      </a:schemeClr>
-                    </a:solidFill>
-                  </a:tcPr>
+                  <a:tcPr marL="67475" marR="67475" marT="67475" marB="67475" anchor="ctr" horzOverflow="overflow"/>
                 </a:tc>
                 <a:tc>
                   <a:txBody>
@@ -5587,33 +5405,7 @@
                       </a:r>
                     </a:p>
                   </a:txBody>
-                  <a:tcPr marL="67475" marR="67475" marT="67475" marB="67475" anchor="ctr" horzOverflow="overflow">
-                    <a:lnL w="12700">
-                      <a:solidFill>
-                        <a:schemeClr val="accent3"/>
-                      </a:solidFill>
-                    </a:lnL>
-                    <a:lnR w="12700">
-                      <a:solidFill>
-                        <a:schemeClr val="accent3"/>
-                      </a:solidFill>
-                    </a:lnR>
-                    <a:lnT w="25400">
-                      <a:solidFill>
-                        <a:schemeClr val="accent3"/>
-                      </a:solidFill>
-                    </a:lnT>
-                    <a:lnB w="12700">
-                      <a:solidFill>
-                        <a:schemeClr val="accent3"/>
-                      </a:solidFill>
-                    </a:lnB>
-                    <a:solidFill>
-                      <a:schemeClr val="accent3">
-                        <a:alpha val="20000"/>
-                      </a:schemeClr>
-                    </a:solidFill>
-                  </a:tcPr>
+                  <a:tcPr marL="67475" marR="67475" marT="67475" marB="67475" anchor="ctr" horzOverflow="overflow"/>
                 </a:tc>
                 <a:tc>
                   <a:txBody>
@@ -5631,33 +5423,7 @@
                       </a:r>
                     </a:p>
                   </a:txBody>
-                  <a:tcPr marL="67475" marR="67475" marT="67475" marB="67475" anchor="ctr" horzOverflow="overflow">
-                    <a:lnL w="12700">
-                      <a:solidFill>
-                        <a:schemeClr val="accent3"/>
-                      </a:solidFill>
-                    </a:lnL>
-                    <a:lnR w="12700">
-                      <a:solidFill>
-                        <a:schemeClr val="accent3"/>
-                      </a:solidFill>
-                    </a:lnR>
-                    <a:lnT w="25400">
-                      <a:solidFill>
-                        <a:schemeClr val="accent3"/>
-                      </a:solidFill>
-                    </a:lnT>
-                    <a:lnB w="12700">
-                      <a:solidFill>
-                        <a:schemeClr val="accent3"/>
-                      </a:solidFill>
-                    </a:lnB>
-                    <a:solidFill>
-                      <a:schemeClr val="accent3">
-                        <a:alpha val="20000"/>
-                      </a:schemeClr>
-                    </a:solidFill>
-                  </a:tcPr>
+                  <a:tcPr marL="67475" marR="67475" marT="67475" marB="67475" anchor="ctr" horzOverflow="overflow"/>
                 </a:tc>
                 <a:tc>
                   <a:txBody>
@@ -5675,33 +5441,7 @@
                       </a:r>
                     </a:p>
                   </a:txBody>
-                  <a:tcPr marL="67475" marR="67475" marT="67475" marB="67475" anchor="ctr" horzOverflow="overflow">
-                    <a:lnL w="12700">
-                      <a:solidFill>
-                        <a:schemeClr val="accent3"/>
-                      </a:solidFill>
-                    </a:lnL>
-                    <a:lnR w="12700">
-                      <a:solidFill>
-                        <a:schemeClr val="accent3"/>
-                      </a:solidFill>
-                    </a:lnR>
-                    <a:lnT w="25400">
-                      <a:solidFill>
-                        <a:schemeClr val="accent3"/>
-                      </a:solidFill>
-                    </a:lnT>
-                    <a:lnB w="12700">
-                      <a:solidFill>
-                        <a:schemeClr val="accent3"/>
-                      </a:solidFill>
-                    </a:lnB>
-                    <a:solidFill>
-                      <a:schemeClr val="accent3">
-                        <a:alpha val="20000"/>
-                      </a:schemeClr>
-                    </a:solidFill>
-                  </a:tcPr>
+                  <a:tcPr marL="67475" marR="67475" marT="67475" marB="67475" anchor="ctr" horzOverflow="overflow"/>
                 </a:tc>
                 <a:extLst>
                   <a:ext uri="{0D108BD9-81ED-4DB2-BD59-A6C34878D82A}">
@@ -5726,33 +5466,7 @@
                       </a:r>
                     </a:p>
                   </a:txBody>
-                  <a:tcPr marL="67475" marR="67475" marT="67475" marB="67475" anchor="ctr" horzOverflow="overflow">
-                    <a:lnL w="12700">
-                      <a:solidFill>
-                        <a:schemeClr val="accent3"/>
-                      </a:solidFill>
-                    </a:lnL>
-                    <a:lnR w="12700">
-                      <a:solidFill>
-                        <a:schemeClr val="accent3"/>
-                      </a:solidFill>
-                    </a:lnR>
-                    <a:lnT w="12700">
-                      <a:solidFill>
-                        <a:schemeClr val="accent3"/>
-                      </a:solidFill>
-                    </a:lnT>
-                    <a:lnB w="12700">
-                      <a:solidFill>
-                        <a:schemeClr val="accent3"/>
-                      </a:solidFill>
-                    </a:lnB>
-                    <a:solidFill>
-                      <a:srgbClr val="FFFFFF">
-                        <a:alpha val="0"/>
-                      </a:srgbClr>
-                    </a:solidFill>
-                  </a:tcPr>
+                  <a:tcPr marL="67475" marR="67475" marT="67475" marB="67475" anchor="ctr" horzOverflow="overflow"/>
                 </a:tc>
                 <a:tc>
                   <a:txBody>
@@ -5770,33 +5484,7 @@
                       </a:r>
                     </a:p>
                   </a:txBody>
-                  <a:tcPr marL="67475" marR="67475" marT="67475" marB="67475" anchor="ctr" horzOverflow="overflow">
-                    <a:lnL w="12700">
-                      <a:solidFill>
-                        <a:schemeClr val="accent3"/>
-                      </a:solidFill>
-                    </a:lnL>
-                    <a:lnR w="12700">
-                      <a:solidFill>
-                        <a:schemeClr val="accent3"/>
-                      </a:solidFill>
-                    </a:lnR>
-                    <a:lnT w="12700">
-                      <a:solidFill>
-                        <a:schemeClr val="accent3"/>
-                      </a:solidFill>
-                    </a:lnT>
-                    <a:lnB w="12700">
-                      <a:solidFill>
-                        <a:schemeClr val="accent3"/>
-                      </a:solidFill>
-                    </a:lnB>
-                    <a:solidFill>
-                      <a:srgbClr val="FFFFFF">
-                        <a:alpha val="0"/>
-                      </a:srgbClr>
-                    </a:solidFill>
-                  </a:tcPr>
+                  <a:tcPr marL="67475" marR="67475" marT="67475" marB="67475" anchor="ctr" horzOverflow="overflow"/>
                 </a:tc>
                 <a:tc>
                   <a:txBody>
@@ -5814,33 +5502,7 @@
                       </a:r>
                     </a:p>
                   </a:txBody>
-                  <a:tcPr marL="67475" marR="67475" marT="67475" marB="67475" anchor="ctr" horzOverflow="overflow">
-                    <a:lnL w="12700">
-                      <a:solidFill>
-                        <a:schemeClr val="accent3"/>
-                      </a:solidFill>
-                    </a:lnL>
-                    <a:lnR w="12700">
-                      <a:solidFill>
-                        <a:schemeClr val="accent3"/>
-                      </a:solidFill>
-                    </a:lnR>
-                    <a:lnT w="12700">
-                      <a:solidFill>
-                        <a:schemeClr val="accent3"/>
-                      </a:solidFill>
-                    </a:lnT>
-                    <a:lnB w="12700">
-                      <a:solidFill>
-                        <a:schemeClr val="accent3"/>
-                      </a:solidFill>
-                    </a:lnB>
-                    <a:solidFill>
-                      <a:srgbClr val="FFFFFF">
-                        <a:alpha val="0"/>
-                      </a:srgbClr>
-                    </a:solidFill>
-                  </a:tcPr>
+                  <a:tcPr marL="67475" marR="67475" marT="67475" marB="67475" anchor="ctr" horzOverflow="overflow"/>
                 </a:tc>
                 <a:tc>
                   <a:txBody>
@@ -5858,33 +5520,7 @@
                       </a:r>
                     </a:p>
                   </a:txBody>
-                  <a:tcPr marL="67475" marR="67475" marT="67475" marB="67475" anchor="ctr" horzOverflow="overflow">
-                    <a:lnL w="12700">
-                      <a:solidFill>
-                        <a:schemeClr val="accent3"/>
-                      </a:solidFill>
-                    </a:lnL>
-                    <a:lnR w="12700">
-                      <a:solidFill>
-                        <a:schemeClr val="accent3"/>
-                      </a:solidFill>
-                    </a:lnR>
-                    <a:lnT w="12700">
-                      <a:solidFill>
-                        <a:schemeClr val="accent3"/>
-                      </a:solidFill>
-                    </a:lnT>
-                    <a:lnB w="12700">
-                      <a:solidFill>
-                        <a:schemeClr val="accent3"/>
-                      </a:solidFill>
-                    </a:lnB>
-                    <a:solidFill>
-                      <a:srgbClr val="FFFFFF">
-                        <a:alpha val="0"/>
-                      </a:srgbClr>
-                    </a:solidFill>
-                  </a:tcPr>
+                  <a:tcPr marL="67475" marR="67475" marT="67475" marB="67475" anchor="ctr" horzOverflow="overflow"/>
                 </a:tc>
                 <a:tc>
                   <a:txBody>
@@ -5902,33 +5538,7 @@
                       </a:r>
                     </a:p>
                   </a:txBody>
-                  <a:tcPr marL="67475" marR="67475" marT="67475" marB="67475" anchor="ctr" horzOverflow="overflow">
-                    <a:lnL w="12700">
-                      <a:solidFill>
-                        <a:schemeClr val="accent3"/>
-                      </a:solidFill>
-                    </a:lnL>
-                    <a:lnR w="12700">
-                      <a:solidFill>
-                        <a:schemeClr val="accent3"/>
-                      </a:solidFill>
-                    </a:lnR>
-                    <a:lnT w="12700">
-                      <a:solidFill>
-                        <a:schemeClr val="accent3"/>
-                      </a:solidFill>
-                    </a:lnT>
-                    <a:lnB w="12700">
-                      <a:solidFill>
-                        <a:schemeClr val="accent3"/>
-                      </a:solidFill>
-                    </a:lnB>
-                    <a:solidFill>
-                      <a:srgbClr val="FFFFFF">
-                        <a:alpha val="0"/>
-                      </a:srgbClr>
-                    </a:solidFill>
-                  </a:tcPr>
+                  <a:tcPr marL="67475" marR="67475" marT="67475" marB="67475" anchor="ctr" horzOverflow="overflow"/>
                 </a:tc>
                 <a:extLst>
                   <a:ext uri="{0D108BD9-81ED-4DB2-BD59-A6C34878D82A}">
@@ -5947,42 +5557,19 @@
                       </a:pPr>
                       <a:r>
                         <a:rPr sz="2200">
-                          <a:latin typeface="Verdana"/>
-                          <a:ea typeface="Verdana"/>
-                          <a:cs typeface="Verdana"/>
                           <a:sym typeface="Verdana"/>
                         </a:rPr>
                         <a:t>GPT2</a:t>
                       </a:r>
+                      <a:endParaRPr sz="2200">
+                        <a:latin typeface="Verdana"/>
+                        <a:ea typeface="Verdana"/>
+                        <a:cs typeface="Verdana"/>
+                        <a:sym typeface="Verdana"/>
+                      </a:endParaRPr>
                     </a:p>
                   </a:txBody>
-                  <a:tcPr marL="67475" marR="67475" marT="67475" marB="67475" anchor="ctr" horzOverflow="overflow">
-                    <a:lnL w="12700">
-                      <a:solidFill>
-                        <a:schemeClr val="accent3"/>
-                      </a:solidFill>
-                    </a:lnL>
-                    <a:lnR w="12700">
-                      <a:solidFill>
-                        <a:schemeClr val="accent3"/>
-                      </a:solidFill>
-                    </a:lnR>
-                    <a:lnT w="12700">
-                      <a:solidFill>
-                        <a:schemeClr val="accent3"/>
-                      </a:solidFill>
-                    </a:lnT>
-                    <a:lnB w="12700">
-                      <a:solidFill>
-                        <a:schemeClr val="accent3"/>
-                      </a:solidFill>
-                    </a:lnB>
-                    <a:solidFill>
-                      <a:schemeClr val="accent3">
-                        <a:alpha val="20000"/>
-                      </a:schemeClr>
-                    </a:solidFill>
-                  </a:tcPr>
+                  <a:tcPr marL="67475" marR="67475" marT="67475" marB="67475" anchor="ctr" horzOverflow="overflow"/>
                 </a:tc>
                 <a:tc>
                   <a:txBody>
@@ -6000,33 +5587,7 @@
                       </a:r>
                     </a:p>
                   </a:txBody>
-                  <a:tcPr marL="67475" marR="67475" marT="67475" marB="67475" anchor="ctr" horzOverflow="overflow">
-                    <a:lnL w="12700">
-                      <a:solidFill>
-                        <a:schemeClr val="accent3"/>
-                      </a:solidFill>
-                    </a:lnL>
-                    <a:lnR w="12700">
-                      <a:solidFill>
-                        <a:schemeClr val="accent3"/>
-                      </a:solidFill>
-                    </a:lnR>
-                    <a:lnT w="12700">
-                      <a:solidFill>
-                        <a:schemeClr val="accent3"/>
-                      </a:solidFill>
-                    </a:lnT>
-                    <a:lnB w="12700">
-                      <a:solidFill>
-                        <a:schemeClr val="accent3"/>
-                      </a:solidFill>
-                    </a:lnB>
-                    <a:solidFill>
-                      <a:schemeClr val="accent3">
-                        <a:alpha val="20000"/>
-                      </a:schemeClr>
-                    </a:solidFill>
-                  </a:tcPr>
+                  <a:tcPr marL="67475" marR="67475" marT="67475" marB="67475" anchor="ctr" horzOverflow="overflow"/>
                 </a:tc>
                 <a:tc>
                   <a:txBody>
@@ -6044,33 +5605,7 @@
                       </a:r>
                     </a:p>
                   </a:txBody>
-                  <a:tcPr marL="67475" marR="67475" marT="67475" marB="67475" anchor="ctr" horzOverflow="overflow">
-                    <a:lnL w="12700">
-                      <a:solidFill>
-                        <a:schemeClr val="accent3"/>
-                      </a:solidFill>
-                    </a:lnL>
-                    <a:lnR w="12700">
-                      <a:solidFill>
-                        <a:schemeClr val="accent3"/>
-                      </a:solidFill>
-                    </a:lnR>
-                    <a:lnT w="12700">
-                      <a:solidFill>
-                        <a:schemeClr val="accent3"/>
-                      </a:solidFill>
-                    </a:lnT>
-                    <a:lnB w="12700">
-                      <a:solidFill>
-                        <a:schemeClr val="accent3"/>
-                      </a:solidFill>
-                    </a:lnB>
-                    <a:solidFill>
-                      <a:schemeClr val="accent3">
-                        <a:alpha val="20000"/>
-                      </a:schemeClr>
-                    </a:solidFill>
-                  </a:tcPr>
+                  <a:tcPr marL="67475" marR="67475" marT="67475" marB="67475" anchor="ctr" horzOverflow="overflow"/>
                 </a:tc>
                 <a:tc>
                   <a:txBody>
@@ -6088,33 +5623,7 @@
                       </a:r>
                     </a:p>
                   </a:txBody>
-                  <a:tcPr marL="67475" marR="67475" marT="67475" marB="67475" anchor="ctr" horzOverflow="overflow">
-                    <a:lnL w="12700">
-                      <a:solidFill>
-                        <a:schemeClr val="accent3"/>
-                      </a:solidFill>
-                    </a:lnL>
-                    <a:lnR w="12700">
-                      <a:solidFill>
-                        <a:schemeClr val="accent3"/>
-                      </a:solidFill>
-                    </a:lnR>
-                    <a:lnT w="12700">
-                      <a:solidFill>
-                        <a:schemeClr val="accent3"/>
-                      </a:solidFill>
-                    </a:lnT>
-                    <a:lnB w="12700">
-                      <a:solidFill>
-                        <a:schemeClr val="accent3"/>
-                      </a:solidFill>
-                    </a:lnB>
-                    <a:solidFill>
-                      <a:schemeClr val="accent3">
-                        <a:alpha val="20000"/>
-                      </a:schemeClr>
-                    </a:solidFill>
-                  </a:tcPr>
+                  <a:tcPr marL="67475" marR="67475" marT="67475" marB="67475" anchor="ctr" horzOverflow="overflow"/>
                 </a:tc>
                 <a:tc>
                   <a:txBody>
@@ -6132,33 +5641,7 @@
                       </a:r>
                     </a:p>
                   </a:txBody>
-                  <a:tcPr marL="67475" marR="67475" marT="67475" marB="67475" anchor="ctr" horzOverflow="overflow">
-                    <a:lnL w="12700">
-                      <a:solidFill>
-                        <a:schemeClr val="accent3"/>
-                      </a:solidFill>
-                    </a:lnL>
-                    <a:lnR w="12700">
-                      <a:solidFill>
-                        <a:schemeClr val="accent3"/>
-                      </a:solidFill>
-                    </a:lnR>
-                    <a:lnT w="12700">
-                      <a:solidFill>
-                        <a:schemeClr val="accent3"/>
-                      </a:solidFill>
-                    </a:lnT>
-                    <a:lnB w="12700">
-                      <a:solidFill>
-                        <a:schemeClr val="accent3"/>
-                      </a:solidFill>
-                    </a:lnB>
-                    <a:solidFill>
-                      <a:schemeClr val="accent3">
-                        <a:alpha val="20000"/>
-                      </a:schemeClr>
-                    </a:solidFill>
-                  </a:tcPr>
+                  <a:tcPr marL="67475" marR="67475" marT="67475" marB="67475" anchor="ctr" horzOverflow="overflow"/>
                 </a:tc>
                 <a:extLst>
                   <a:ext uri="{0D108BD9-81ED-4DB2-BD59-A6C34878D82A}">
@@ -6183,37 +5666,7 @@
                       </a:r>
                     </a:p>
                   </a:txBody>
-                  <a:tcPr marL="67475" marR="67475" marT="67475" marB="67475" anchor="ctr" horzOverflow="overflow">
-                    <a:lnL w="12700">
-                      <a:solidFill>
-                        <a:schemeClr val="accent3"/>
-                      </a:solidFill>
-                    </a:lnL>
-                    <a:lnR w="12700">
-                      <a:solidFill>
-                        <a:schemeClr val="accent3"/>
-                      </a:solidFill>
-                    </a:lnR>
-                    <a:lnT w="12700">
-                      <a:solidFill>
-                        <a:schemeClr val="accent3"/>
-                      </a:solidFill>
-                    </a:lnT>
-                    <a:lnB w="12700" cap="flat" cmpd="sng" algn="ctr">
-                      <a:solidFill>
-                        <a:schemeClr val="accent3"/>
-                      </a:solidFill>
-                      <a:prstDash val="solid"/>
-                      <a:round/>
-                      <a:headEnd type="none" w="med" len="med"/>
-                      <a:tailEnd type="none" w="med" len="med"/>
-                    </a:lnB>
-                    <a:solidFill>
-                      <a:srgbClr val="FFFFFF">
-                        <a:alpha val="0"/>
-                      </a:srgbClr>
-                    </a:solidFill>
-                  </a:tcPr>
+                  <a:tcPr marL="67475" marR="67475" marT="67475" marB="67475" anchor="ctr" horzOverflow="overflow"/>
                 </a:tc>
                 <a:tc>
                   <a:txBody>
@@ -6231,37 +5684,7 @@
                       </a:r>
                     </a:p>
                   </a:txBody>
-                  <a:tcPr marL="67475" marR="67475" marT="67475" marB="67475" anchor="ctr" horzOverflow="overflow">
-                    <a:lnL w="12700">
-                      <a:solidFill>
-                        <a:schemeClr val="accent3"/>
-                      </a:solidFill>
-                    </a:lnL>
-                    <a:lnR w="12700">
-                      <a:solidFill>
-                        <a:schemeClr val="accent3"/>
-                      </a:solidFill>
-                    </a:lnR>
-                    <a:lnT w="12700">
-                      <a:solidFill>
-                        <a:schemeClr val="accent3"/>
-                      </a:solidFill>
-                    </a:lnT>
-                    <a:lnB w="12700" cap="flat" cmpd="sng" algn="ctr">
-                      <a:solidFill>
-                        <a:schemeClr val="accent3"/>
-                      </a:solidFill>
-                      <a:prstDash val="solid"/>
-                      <a:round/>
-                      <a:headEnd type="none" w="med" len="med"/>
-                      <a:tailEnd type="none" w="med" len="med"/>
-                    </a:lnB>
-                    <a:solidFill>
-                      <a:srgbClr val="FFFFFF">
-                        <a:alpha val="0"/>
-                      </a:srgbClr>
-                    </a:solidFill>
-                  </a:tcPr>
+                  <a:tcPr marL="67475" marR="67475" marT="67475" marB="67475" anchor="ctr" horzOverflow="overflow"/>
                 </a:tc>
                 <a:tc>
                   <a:txBody>
@@ -6279,37 +5702,7 @@
                       </a:r>
                     </a:p>
                   </a:txBody>
-                  <a:tcPr marL="67475" marR="67475" marT="67475" marB="67475" anchor="ctr" horzOverflow="overflow">
-                    <a:lnL w="12700">
-                      <a:solidFill>
-                        <a:schemeClr val="accent3"/>
-                      </a:solidFill>
-                    </a:lnL>
-                    <a:lnR w="12700">
-                      <a:solidFill>
-                        <a:schemeClr val="accent3"/>
-                      </a:solidFill>
-                    </a:lnR>
-                    <a:lnT w="12700">
-                      <a:solidFill>
-                        <a:schemeClr val="accent3"/>
-                      </a:solidFill>
-                    </a:lnT>
-                    <a:lnB w="12700" cap="flat" cmpd="sng" algn="ctr">
-                      <a:solidFill>
-                        <a:schemeClr val="accent3"/>
-                      </a:solidFill>
-                      <a:prstDash val="solid"/>
-                      <a:round/>
-                      <a:headEnd type="none" w="med" len="med"/>
-                      <a:tailEnd type="none" w="med" len="med"/>
-                    </a:lnB>
-                    <a:solidFill>
-                      <a:srgbClr val="FFFFFF">
-                        <a:alpha val="0"/>
-                      </a:srgbClr>
-                    </a:solidFill>
-                  </a:tcPr>
+                  <a:tcPr marL="67475" marR="67475" marT="67475" marB="67475" anchor="ctr" horzOverflow="overflow"/>
                 </a:tc>
                 <a:tc>
                   <a:txBody>
@@ -6327,37 +5720,7 @@
                       </a:r>
                     </a:p>
                   </a:txBody>
-                  <a:tcPr marL="67475" marR="67475" marT="67475" marB="67475" anchor="ctr" horzOverflow="overflow">
-                    <a:lnL w="12700">
-                      <a:solidFill>
-                        <a:schemeClr val="accent3"/>
-                      </a:solidFill>
-                    </a:lnL>
-                    <a:lnR w="12700">
-                      <a:solidFill>
-                        <a:schemeClr val="accent3"/>
-                      </a:solidFill>
-                    </a:lnR>
-                    <a:lnT w="12700">
-                      <a:solidFill>
-                        <a:schemeClr val="accent3"/>
-                      </a:solidFill>
-                    </a:lnT>
-                    <a:lnB w="12700" cap="flat" cmpd="sng" algn="ctr">
-                      <a:solidFill>
-                        <a:schemeClr val="accent3"/>
-                      </a:solidFill>
-                      <a:prstDash val="solid"/>
-                      <a:round/>
-                      <a:headEnd type="none" w="med" len="med"/>
-                      <a:tailEnd type="none" w="med" len="med"/>
-                    </a:lnB>
-                    <a:solidFill>
-                      <a:srgbClr val="FFFFFF">
-                        <a:alpha val="0"/>
-                      </a:srgbClr>
-                    </a:solidFill>
-                  </a:tcPr>
+                  <a:tcPr marL="67475" marR="67475" marT="67475" marB="67475" anchor="ctr" horzOverflow="overflow"/>
                 </a:tc>
                 <a:tc>
                   <a:txBody>
@@ -6375,37 +5738,7 @@
                       </a:r>
                     </a:p>
                   </a:txBody>
-                  <a:tcPr marL="67475" marR="67475" marT="67475" marB="67475" anchor="ctr" horzOverflow="overflow">
-                    <a:lnL w="12700">
-                      <a:solidFill>
-                        <a:schemeClr val="accent3"/>
-                      </a:solidFill>
-                    </a:lnL>
-                    <a:lnR w="12700">
-                      <a:solidFill>
-                        <a:schemeClr val="accent3"/>
-                      </a:solidFill>
-                    </a:lnR>
-                    <a:lnT w="12700">
-                      <a:solidFill>
-                        <a:schemeClr val="accent3"/>
-                      </a:solidFill>
-                    </a:lnT>
-                    <a:lnB w="12700" cap="flat" cmpd="sng" algn="ctr">
-                      <a:solidFill>
-                        <a:schemeClr val="accent3"/>
-                      </a:solidFill>
-                      <a:prstDash val="solid"/>
-                      <a:round/>
-                      <a:headEnd type="none" w="med" len="med"/>
-                      <a:tailEnd type="none" w="med" len="med"/>
-                    </a:lnB>
-                    <a:solidFill>
-                      <a:srgbClr val="FFFFFF">
-                        <a:alpha val="0"/>
-                      </a:srgbClr>
-                    </a:solidFill>
-                  </a:tcPr>
+                  <a:tcPr marL="67475" marR="67475" marT="67475" marB="67475" anchor="ctr" horzOverflow="overflow"/>
                 </a:tc>
                 <a:extLst>
                   <a:ext uri="{0D108BD9-81ED-4DB2-BD59-A6C34878D82A}">
@@ -6433,37 +5766,7 @@
                       </a:endParaRPr>
                     </a:p>
                   </a:txBody>
-                  <a:tcPr marL="67475" marR="67475" marT="67475" marB="67475" anchor="ctr" horzOverflow="overflow">
-                    <a:lnL w="12700">
-                      <a:solidFill>
-                        <a:schemeClr val="accent3"/>
-                      </a:solidFill>
-                    </a:lnL>
-                    <a:lnR w="12700" cap="flat" cmpd="sng" algn="ctr">
-                      <a:solidFill>
-                        <a:schemeClr val="accent3"/>
-                      </a:solidFill>
-                      <a:prstDash val="solid"/>
-                      <a:round/>
-                      <a:headEnd type="none" w="med" len="med"/>
-                      <a:tailEnd type="none" w="med" len="med"/>
-                    </a:lnR>
-                    <a:lnT w="12700">
-                      <a:solidFill>
-                        <a:schemeClr val="accent3"/>
-                      </a:solidFill>
-                    </a:lnT>
-                    <a:lnB w="12700">
-                      <a:solidFill>
-                        <a:schemeClr val="accent3"/>
-                      </a:solidFill>
-                    </a:lnB>
-                    <a:solidFill>
-                      <a:srgbClr val="FFFFFF">
-                        <a:alpha val="0"/>
-                      </a:srgbClr>
-                    </a:solidFill>
-                  </a:tcPr>
+                  <a:tcPr marL="67475" marR="67475" marT="67475" marB="67475" anchor="ctr" horzOverflow="overflow"/>
                 </a:tc>
                 <a:tc>
                   <a:txBody>
@@ -6484,41 +5787,7 @@
                       </a:endParaRPr>
                     </a:p>
                   </a:txBody>
-                  <a:tcPr marL="67475" marR="67475" marT="67475" marB="67475" anchor="ctr" horzOverflow="overflow">
-                    <a:lnL w="12700" cap="flat" cmpd="sng" algn="ctr">
-                      <a:solidFill>
-                        <a:schemeClr val="accent3"/>
-                      </a:solidFill>
-                      <a:prstDash val="solid"/>
-                      <a:round/>
-                      <a:headEnd type="none" w="med" len="med"/>
-                      <a:tailEnd type="none" w="med" len="med"/>
-                    </a:lnL>
-                    <a:lnR w="12700" cap="flat" cmpd="sng" algn="ctr">
-                      <a:solidFill>
-                        <a:schemeClr val="accent3"/>
-                      </a:solidFill>
-                      <a:prstDash val="solid"/>
-                      <a:round/>
-                      <a:headEnd type="none" w="med" len="med"/>
-                      <a:tailEnd type="none" w="med" len="med"/>
-                    </a:lnR>
-                    <a:lnT w="12700">
-                      <a:solidFill>
-                        <a:schemeClr val="accent3"/>
-                      </a:solidFill>
-                    </a:lnT>
-                    <a:lnB w="12700">
-                      <a:solidFill>
-                        <a:schemeClr val="accent3"/>
-                      </a:solidFill>
-                    </a:lnB>
-                    <a:solidFill>
-                      <a:srgbClr val="FFFFFF">
-                        <a:alpha val="0"/>
-                      </a:srgbClr>
-                    </a:solidFill>
-                  </a:tcPr>
+                  <a:tcPr marL="67475" marR="67475" marT="67475" marB="67475" anchor="ctr" horzOverflow="overflow"/>
                 </a:tc>
                 <a:tc>
                   <a:txBody>
@@ -6539,41 +5808,7 @@
                       </a:endParaRPr>
                     </a:p>
                   </a:txBody>
-                  <a:tcPr marL="67475" marR="67475" marT="67475" marB="67475" anchor="ctr" horzOverflow="overflow">
-                    <a:lnL w="12700" cap="flat" cmpd="sng" algn="ctr">
-                      <a:solidFill>
-                        <a:schemeClr val="accent3"/>
-                      </a:solidFill>
-                      <a:prstDash val="solid"/>
-                      <a:round/>
-                      <a:headEnd type="none" w="med" len="med"/>
-                      <a:tailEnd type="none" w="med" len="med"/>
-                    </a:lnL>
-                    <a:lnR w="12700" cap="flat" cmpd="sng" algn="ctr">
-                      <a:solidFill>
-                        <a:schemeClr val="accent3"/>
-                      </a:solidFill>
-                      <a:prstDash val="solid"/>
-                      <a:round/>
-                      <a:headEnd type="none" w="med" len="med"/>
-                      <a:tailEnd type="none" w="med" len="med"/>
-                    </a:lnR>
-                    <a:lnT w="12700">
-                      <a:solidFill>
-                        <a:schemeClr val="accent3"/>
-                      </a:solidFill>
-                    </a:lnT>
-                    <a:lnB w="12700">
-                      <a:solidFill>
-                        <a:schemeClr val="accent3"/>
-                      </a:solidFill>
-                    </a:lnB>
-                    <a:solidFill>
-                      <a:srgbClr val="FFFFFF">
-                        <a:alpha val="0"/>
-                      </a:srgbClr>
-                    </a:solidFill>
-                  </a:tcPr>
+                  <a:tcPr marL="67475" marR="67475" marT="67475" marB="67475" anchor="ctr" horzOverflow="overflow"/>
                 </a:tc>
                 <a:tc>
                   <a:txBody>
@@ -6594,41 +5829,7 @@
                       </a:endParaRPr>
                     </a:p>
                   </a:txBody>
-                  <a:tcPr marL="67475" marR="67475" marT="67475" marB="67475" anchor="ctr" horzOverflow="overflow">
-                    <a:lnL w="12700" cap="flat" cmpd="sng" algn="ctr">
-                      <a:solidFill>
-                        <a:schemeClr val="accent3"/>
-                      </a:solidFill>
-                      <a:prstDash val="solid"/>
-                      <a:round/>
-                      <a:headEnd type="none" w="med" len="med"/>
-                      <a:tailEnd type="none" w="med" len="med"/>
-                    </a:lnL>
-                    <a:lnR w="12700" cap="flat" cmpd="sng" algn="ctr">
-                      <a:solidFill>
-                        <a:schemeClr val="accent3"/>
-                      </a:solidFill>
-                      <a:prstDash val="solid"/>
-                      <a:round/>
-                      <a:headEnd type="none" w="med" len="med"/>
-                      <a:tailEnd type="none" w="med" len="med"/>
-                    </a:lnR>
-                    <a:lnT w="12700">
-                      <a:solidFill>
-                        <a:schemeClr val="accent3"/>
-                      </a:solidFill>
-                    </a:lnT>
-                    <a:lnB w="12700">
-                      <a:solidFill>
-                        <a:schemeClr val="accent3"/>
-                      </a:solidFill>
-                    </a:lnB>
-                    <a:solidFill>
-                      <a:srgbClr val="FFFFFF">
-                        <a:alpha val="0"/>
-                      </a:srgbClr>
-                    </a:solidFill>
-                  </a:tcPr>
+                  <a:tcPr marL="67475" marR="67475" marT="67475" marB="67475" anchor="ctr" horzOverflow="overflow"/>
                 </a:tc>
                 <a:tc>
                   <a:txBody>
@@ -6649,37 +5850,7 @@
                       </a:endParaRPr>
                     </a:p>
                   </a:txBody>
-                  <a:tcPr marL="67475" marR="67475" marT="67475" marB="67475" anchor="ctr" horzOverflow="overflow">
-                    <a:lnL w="12700" cap="flat" cmpd="sng" algn="ctr">
-                      <a:solidFill>
-                        <a:schemeClr val="accent3"/>
-                      </a:solidFill>
-                      <a:prstDash val="solid"/>
-                      <a:round/>
-                      <a:headEnd type="none" w="med" len="med"/>
-                      <a:tailEnd type="none" w="med" len="med"/>
-                    </a:lnL>
-                    <a:lnR w="12700">
-                      <a:solidFill>
-                        <a:schemeClr val="accent3"/>
-                      </a:solidFill>
-                    </a:lnR>
-                    <a:lnT w="12700">
-                      <a:solidFill>
-                        <a:schemeClr val="accent3"/>
-                      </a:solidFill>
-                    </a:lnT>
-                    <a:lnB w="12700">
-                      <a:solidFill>
-                        <a:schemeClr val="accent3"/>
-                      </a:solidFill>
-                    </a:lnB>
-                    <a:solidFill>
-                      <a:srgbClr val="FFFFFF">
-                        <a:alpha val="0"/>
-                      </a:srgbClr>
-                    </a:solidFill>
-                  </a:tcPr>
+                  <a:tcPr marL="67475" marR="67475" marT="67475" marB="67475" anchor="ctr" horzOverflow="overflow"/>
                 </a:tc>
                 <a:extLst>
                   <a:ext uri="{0D108BD9-81ED-4DB2-BD59-A6C34878D82A}">
@@ -6775,7 +5946,7 @@
         </p:nvGrpSpPr>
         <p:grpSpPr>
           <a:xfrm>
-            <a:off x="293254" y="1906525"/>
+            <a:off x="274781" y="1186089"/>
             <a:ext cx="11323784" cy="4779051"/>
             <a:chOff x="0" y="-1"/>
             <a:chExt cx="11323783" cy="4779049"/>
@@ -6891,7 +6062,7 @@
             <a:effectLst/>
             <a:extLst>
               <a:ext uri="{C572A759-6A51-4108-AA02-DFA0A04FC94B}">
-                <ma14:wrappingTextBoxFlag xmlns:ma14="http://schemas.microsoft.com/office/mac/drawingml/2011/main" xmlns:a14="http://schemas.microsoft.com/office/drawing/2010/main" xmlns:m="http://schemas.openxmlformats.org/officeDocument/2006/math" xmlns="" val="1"/>
+                <ma14:wrappingTextBoxFlag xmlns="" xmlns:m="http://schemas.openxmlformats.org/officeDocument/2006/math" xmlns:a14="http://schemas.microsoft.com/office/drawing/2010/main" xmlns:ma14="http://schemas.microsoft.com/office/mac/drawingml/2011/main" val="1"/>
               </a:ext>
             </a:extLst>
           </p:spPr>
@@ -6938,7 +6109,7 @@
             <a:effectLst/>
             <a:extLst>
               <a:ext uri="{C572A759-6A51-4108-AA02-DFA0A04FC94B}">
-                <ma14:wrappingTextBoxFlag xmlns:ma14="http://schemas.microsoft.com/office/mac/drawingml/2011/main" xmlns:a14="http://schemas.microsoft.com/office/drawing/2010/main" xmlns:m="http://schemas.openxmlformats.org/officeDocument/2006/math" xmlns="" val="1"/>
+                <ma14:wrappingTextBoxFlag xmlns="" xmlns:m="http://schemas.openxmlformats.org/officeDocument/2006/math" xmlns:a14="http://schemas.microsoft.com/office/drawing/2010/main" xmlns:ma14="http://schemas.microsoft.com/office/mac/drawingml/2011/main" val="1"/>
               </a:ext>
             </a:extLst>
           </p:spPr>
@@ -7073,7 +6244,7 @@
             <a:effectLst/>
             <a:extLst>
               <a:ext uri="{C572A759-6A51-4108-AA02-DFA0A04FC94B}">
-                <ma14:wrappingTextBoxFlag xmlns:ma14="http://schemas.microsoft.com/office/mac/drawingml/2011/main" xmlns:a14="http://schemas.microsoft.com/office/drawing/2010/main" xmlns:m="http://schemas.openxmlformats.org/officeDocument/2006/math" xmlns="" val="1"/>
+                <ma14:wrappingTextBoxFlag xmlns="" xmlns:m="http://schemas.openxmlformats.org/officeDocument/2006/math" xmlns:a14="http://schemas.microsoft.com/office/drawing/2010/main" xmlns:ma14="http://schemas.microsoft.com/office/mac/drawingml/2011/main" val="1"/>
               </a:ext>
             </a:extLst>
           </p:spPr>
@@ -7120,7 +6291,7 @@
             <a:effectLst/>
             <a:extLst>
               <a:ext uri="{C572A759-6A51-4108-AA02-DFA0A04FC94B}">
-                <ma14:wrappingTextBoxFlag xmlns:ma14="http://schemas.microsoft.com/office/mac/drawingml/2011/main" xmlns:a14="http://schemas.microsoft.com/office/drawing/2010/main" xmlns:m="http://schemas.openxmlformats.org/officeDocument/2006/math" xmlns="" val="1"/>
+                <ma14:wrappingTextBoxFlag xmlns="" xmlns:m="http://schemas.openxmlformats.org/officeDocument/2006/math" xmlns:a14="http://schemas.microsoft.com/office/drawing/2010/main" xmlns:ma14="http://schemas.microsoft.com/office/mac/drawingml/2011/main" val="1"/>
               </a:ext>
             </a:extLst>
           </p:spPr>
@@ -7255,7 +6426,7 @@
             <a:effectLst/>
             <a:extLst>
               <a:ext uri="{C572A759-6A51-4108-AA02-DFA0A04FC94B}">
-                <ma14:wrappingTextBoxFlag xmlns:ma14="http://schemas.microsoft.com/office/mac/drawingml/2011/main" xmlns:a14="http://schemas.microsoft.com/office/drawing/2010/main" xmlns:m="http://schemas.openxmlformats.org/officeDocument/2006/math" xmlns="" val="1"/>
+                <ma14:wrappingTextBoxFlag xmlns="" xmlns:m="http://schemas.openxmlformats.org/officeDocument/2006/math" xmlns:a14="http://schemas.microsoft.com/office/drawing/2010/main" xmlns:ma14="http://schemas.microsoft.com/office/mac/drawingml/2011/main" val="1"/>
               </a:ext>
             </a:extLst>
           </p:spPr>
@@ -7302,7 +6473,7 @@
             <a:effectLst/>
             <a:extLst>
               <a:ext uri="{C572A759-6A51-4108-AA02-DFA0A04FC94B}">
-                <ma14:wrappingTextBoxFlag xmlns:ma14="http://schemas.microsoft.com/office/mac/drawingml/2011/main" xmlns:a14="http://schemas.microsoft.com/office/drawing/2010/main" xmlns:m="http://schemas.openxmlformats.org/officeDocument/2006/math" xmlns="" val="1"/>
+                <ma14:wrappingTextBoxFlag xmlns="" xmlns:m="http://schemas.openxmlformats.org/officeDocument/2006/math" xmlns:a14="http://schemas.microsoft.com/office/drawing/2010/main" xmlns:ma14="http://schemas.microsoft.com/office/mac/drawingml/2011/main" val="1"/>
               </a:ext>
             </a:extLst>
           </p:spPr>
@@ -7437,7 +6608,7 @@
             <a:effectLst/>
             <a:extLst>
               <a:ext uri="{C572A759-6A51-4108-AA02-DFA0A04FC94B}">
-                <ma14:wrappingTextBoxFlag xmlns:ma14="http://schemas.microsoft.com/office/mac/drawingml/2011/main" xmlns:a14="http://schemas.microsoft.com/office/drawing/2010/main" xmlns:m="http://schemas.openxmlformats.org/officeDocument/2006/math" xmlns="" val="1"/>
+                <ma14:wrappingTextBoxFlag xmlns="" xmlns:m="http://schemas.openxmlformats.org/officeDocument/2006/math" xmlns:a14="http://schemas.microsoft.com/office/drawing/2010/main" xmlns:ma14="http://schemas.microsoft.com/office/mac/drawingml/2011/main" val="1"/>
               </a:ext>
             </a:extLst>
           </p:spPr>
@@ -7470,8 +6641,8 @@
           </p:nvSpPr>
           <p:spPr>
             <a:xfrm>
-              <a:off x="5847796" y="2562802"/>
-              <a:ext cx="5475249" cy="272067"/>
+              <a:off x="5847796" y="2459988"/>
+              <a:ext cx="5475249" cy="477696"/>
             </a:xfrm>
             <a:prstGeom prst="rect">
               <a:avLst/>
@@ -7484,7 +6655,7 @@
             <a:effectLst/>
             <a:extLst>
               <a:ext uri="{C572A759-6A51-4108-AA02-DFA0A04FC94B}">
-                <ma14:wrappingTextBoxFlag xmlns:ma14="http://schemas.microsoft.com/office/mac/drawingml/2011/main" xmlns:a14="http://schemas.microsoft.com/office/drawing/2010/main" xmlns:m="http://schemas.openxmlformats.org/officeDocument/2006/math" xmlns="" val="1"/>
+                <ma14:wrappingTextBoxFlag xmlns="" xmlns:m="http://schemas.openxmlformats.org/officeDocument/2006/math" xmlns:a14="http://schemas.microsoft.com/office/drawing/2010/main" xmlns:ma14="http://schemas.microsoft.com/office/mac/drawingml/2011/main" val="1"/>
               </a:ext>
             </a:extLst>
           </p:spPr>
@@ -7504,9 +6675,10 @@
             </a:lstStyle>
             <a:p>
               <a:r>
-                <a:rPr dirty="0"/>
-                <a:t>A linear classifier is a model used to classify data points along a line.</a:t>
+                <a:rPr lang="en-US" dirty="0"/>
+                <a:t>A linear classifier is a model that makes predictions based on data points in a direction where the data points follow a linear equation.</a:t>
               </a:r>
+              <a:endParaRPr dirty="0"/>
             </a:p>
           </p:txBody>
         </p:sp>
@@ -7620,7 +6792,7 @@
             <a:effectLst/>
             <a:extLst>
               <a:ext uri="{C572A759-6A51-4108-AA02-DFA0A04FC94B}">
-                <ma14:wrappingTextBoxFlag xmlns:ma14="http://schemas.microsoft.com/office/mac/drawingml/2011/main" xmlns:a14="http://schemas.microsoft.com/office/drawing/2010/main" xmlns:m="http://schemas.openxmlformats.org/officeDocument/2006/math" xmlns="" val="1"/>
+                <ma14:wrappingTextBoxFlag xmlns="" xmlns:m="http://schemas.openxmlformats.org/officeDocument/2006/math" xmlns:a14="http://schemas.microsoft.com/office/drawing/2010/main" xmlns:ma14="http://schemas.microsoft.com/office/mac/drawingml/2011/main" val="1"/>
               </a:ext>
             </a:extLst>
           </p:spPr>
@@ -7667,7 +6839,7 @@
             <a:effectLst/>
             <a:extLst>
               <a:ext uri="{C572A759-6A51-4108-AA02-DFA0A04FC94B}">
-                <ma14:wrappingTextBoxFlag xmlns:ma14="http://schemas.microsoft.com/office/mac/drawingml/2011/main" xmlns:a14="http://schemas.microsoft.com/office/drawing/2010/main" xmlns:m="http://schemas.openxmlformats.org/officeDocument/2006/math" xmlns="" val="1"/>
+                <ma14:wrappingTextBoxFlag xmlns="" xmlns:m="http://schemas.openxmlformats.org/officeDocument/2006/math" xmlns:a14="http://schemas.microsoft.com/office/drawing/2010/main" xmlns:ma14="http://schemas.microsoft.com/office/mac/drawingml/2011/main" val="1"/>
               </a:ext>
             </a:extLst>
           </p:spPr>
@@ -7701,7 +6873,7 @@
           </p:nvSpPr>
           <p:spPr>
             <a:xfrm>
-              <a:off x="0" y="4069783"/>
+              <a:off x="0" y="4079019"/>
               <a:ext cx="11323783" cy="651167"/>
             </a:xfrm>
             <a:prstGeom prst="roundRect">
@@ -7803,7 +6975,7 @@
             <a:effectLst/>
             <a:extLst>
               <a:ext uri="{C572A759-6A51-4108-AA02-DFA0A04FC94B}">
-                <ma14:wrappingTextBoxFlag xmlns:ma14="http://schemas.microsoft.com/office/mac/drawingml/2011/main" xmlns:a14="http://schemas.microsoft.com/office/drawing/2010/main" xmlns:m="http://schemas.openxmlformats.org/officeDocument/2006/math" xmlns="" val="1"/>
+                <ma14:wrappingTextBoxFlag xmlns="" xmlns:m="http://schemas.openxmlformats.org/officeDocument/2006/math" xmlns:a14="http://schemas.microsoft.com/office/drawing/2010/main" xmlns:ma14="http://schemas.microsoft.com/office/mac/drawingml/2011/main" val="1"/>
               </a:ext>
             </a:extLst>
           </p:spPr>
@@ -7823,6 +6995,7 @@
             </a:lstStyle>
             <a:p>
               <a:r>
+                <a:rPr dirty="0"/>
                 <a:t>Llama3.1 Model Output:</a:t>
               </a:r>
             </a:p>
@@ -7850,7 +7023,7 @@
             <a:effectLst/>
             <a:extLst>
               <a:ext uri="{C572A759-6A51-4108-AA02-DFA0A04FC94B}">
-                <ma14:wrappingTextBoxFlag xmlns:ma14="http://schemas.microsoft.com/office/mac/drawingml/2011/main" xmlns:a14="http://schemas.microsoft.com/office/drawing/2010/main" xmlns:m="http://schemas.openxmlformats.org/officeDocument/2006/math" xmlns="" val="1"/>
+                <ma14:wrappingTextBoxFlag xmlns="" xmlns:m="http://schemas.openxmlformats.org/officeDocument/2006/math" xmlns:a14="http://schemas.microsoft.com/office/drawing/2010/main" xmlns:ma14="http://schemas.microsoft.com/office/mac/drawingml/2011/main" val="1"/>
               </a:ext>
             </a:extLst>
           </p:spPr>
@@ -7870,12 +7043,237 @@
             </a:lstStyle>
             <a:p>
               <a:r>
+                <a:rPr dirty="0"/>
                 <a:t>['A linear classifier is a machine learning algorithm that predicts class labels by assigning weights to features. It uses the weighted sum of feature values as input for classification.', 'Linear classifiers are models used in machine learning to classify data points into different classes based on their feature values.']</a:t>
               </a:r>
             </a:p>
           </p:txBody>
         </p:sp>
       </p:grpSp>
+      <p:sp>
+        <p:nvSpPr>
+          <p:cNvPr id="2" name="Google Shape;258;p25">
+            <a:extLst>
+              <a:ext uri="{FF2B5EF4-FFF2-40B4-BE49-F238E27FC236}">
+                <a16:creationId xmlns:a16="http://schemas.microsoft.com/office/drawing/2014/main" id="{0951B3C1-6039-411F-A57A-3A42204B8C07}"/>
+              </a:ext>
+            </a:extLst>
+          </p:cNvPr>
+          <p:cNvSpPr/>
+          <p:nvPr/>
+        </p:nvSpPr>
+        <p:spPr>
+          <a:xfrm>
+            <a:off x="274781" y="6102416"/>
+            <a:ext cx="11323784" cy="651167"/>
+          </a:xfrm>
+          <a:prstGeom prst="roundRect">
+            <a:avLst>
+              <a:gd name="adj" fmla="val 10000"/>
+            </a:avLst>
+          </a:prstGeom>
+          <a:solidFill>
+            <a:srgbClr val="F2F2F2"/>
+          </a:solidFill>
+          <a:ln w="12700" cap="flat">
+            <a:noFill/>
+            <a:miter lim="400000"/>
+          </a:ln>
+          <a:effectLst/>
+        </p:spPr>
+        <p:txBody>
+          <a:bodyPr wrap="square" lIns="0" tIns="0" rIns="0" bIns="0" numCol="1" anchor="ctr">
+            <a:noAutofit/>
+          </a:bodyPr>
+          <a:lstStyle/>
+          <a:p>
+            <a:pPr>
+              <a:defRPr>
+                <a:latin typeface="+mn-lt"/>
+                <a:ea typeface="+mn-ea"/>
+                <a:cs typeface="+mn-cs"/>
+                <a:sym typeface="Arial"/>
+              </a:defRPr>
+            </a:pPr>
+            <a:endParaRPr dirty="0"/>
+          </a:p>
+        </p:txBody>
+      </p:sp>
+      <p:sp>
+        <p:nvSpPr>
+          <p:cNvPr id="3" name="Google Shape;235;p25">
+            <a:extLst>
+              <a:ext uri="{FF2B5EF4-FFF2-40B4-BE49-F238E27FC236}">
+                <a16:creationId xmlns:a16="http://schemas.microsoft.com/office/drawing/2014/main" id="{D0F52FF0-41DD-81A8-AEE4-540F8E03B925}"/>
+              </a:ext>
+            </a:extLst>
+          </p:cNvPr>
+          <p:cNvSpPr/>
+          <p:nvPr/>
+        </p:nvSpPr>
+        <p:spPr>
+          <a:xfrm>
+            <a:off x="430315" y="6248928"/>
+            <a:ext cx="358142" cy="358142"/>
+          </a:xfrm>
+          <a:prstGeom prst="rect">
+            <a:avLst/>
+          </a:prstGeom>
+          <a:blipFill rotWithShape="1">
+            <a:blip r:embed="rId4"/>
+            <a:srcRect/>
+            <a:stretch>
+              <a:fillRect/>
+            </a:stretch>
+          </a:blipFill>
+          <a:ln w="12700" cap="flat">
+            <a:noFill/>
+            <a:miter lim="400000"/>
+          </a:ln>
+          <a:effectLst/>
+        </p:spPr>
+        <p:txBody>
+          <a:bodyPr wrap="square" lIns="0" tIns="0" rIns="0" bIns="0" numCol="1" anchor="ctr">
+            <a:noAutofit/>
+          </a:bodyPr>
+          <a:lstStyle/>
+          <a:p>
+            <a:pPr>
+              <a:defRPr>
+                <a:latin typeface="+mn-lt"/>
+                <a:ea typeface="+mn-ea"/>
+                <a:cs typeface="+mn-cs"/>
+                <a:sym typeface="Arial"/>
+              </a:defRPr>
+            </a:pPr>
+            <a:endParaRPr/>
+          </a:p>
+        </p:txBody>
+      </p:sp>
+      <p:sp>
+        <p:nvSpPr>
+          <p:cNvPr id="4" name="Google Shape;261;p25">
+            <a:extLst>
+              <a:ext uri="{FF2B5EF4-FFF2-40B4-BE49-F238E27FC236}">
+                <a16:creationId xmlns:a16="http://schemas.microsoft.com/office/drawing/2014/main" id="{A6479375-6640-3000-4C6F-8FEAA7F6A414}"/>
+              </a:ext>
+            </a:extLst>
+          </p:cNvPr>
+          <p:cNvSpPr txBox="1"/>
+          <p:nvPr/>
+        </p:nvSpPr>
+        <p:spPr>
+          <a:xfrm>
+            <a:off x="943991" y="6212235"/>
+            <a:ext cx="5095703" cy="431529"/>
+          </a:xfrm>
+          <a:prstGeom prst="rect">
+            <a:avLst/>
+          </a:prstGeom>
+          <a:noFill/>
+          <a:ln w="12700" cap="flat">
+            <a:noFill/>
+            <a:miter lim="400000"/>
+          </a:ln>
+          <a:effectLst/>
+          <a:extLst>
+            <a:ext uri="{C572A759-6A51-4108-AA02-DFA0A04FC94B}">
+              <ma14:wrappingTextBoxFlag xmlns="" xmlns:m="http://schemas.openxmlformats.org/officeDocument/2006/math" xmlns:a14="http://schemas.microsoft.com/office/drawing/2010/main" xmlns:ma14="http://schemas.microsoft.com/office/mac/drawingml/2011/main" val="1"/>
+            </a:ext>
+          </a:extLst>
+        </p:spPr>
+        <p:txBody>
+          <a:bodyPr wrap="square" lIns="68898" tIns="68898" rIns="68898" bIns="68898" numCol="1" anchor="ctr">
+            <a:spAutoFit/>
+          </a:bodyPr>
+          <a:lstStyle>
+            <a:lvl1pPr>
+              <a:defRPr sz="1900" b="1">
+                <a:latin typeface="Calibri"/>
+                <a:ea typeface="Calibri"/>
+                <a:cs typeface="Calibri"/>
+                <a:sym typeface="Calibri"/>
+              </a:defRPr>
+            </a:lvl1pPr>
+          </a:lstStyle>
+          <a:p>
+            <a:r>
+              <a:rPr lang="en-US" dirty="0"/>
+              <a:t>Qwen</a:t>
+            </a:r>
+            <a:r>
+              <a:rPr dirty="0"/>
+              <a:t>1</a:t>
+            </a:r>
+            <a:r>
+              <a:rPr lang="en-US" dirty="0"/>
+              <a:t>.5</a:t>
+            </a:r>
+            <a:r>
+              <a:rPr dirty="0"/>
+              <a:t> Model Output:</a:t>
+            </a:r>
+          </a:p>
+        </p:txBody>
+      </p:sp>
+      <p:sp>
+        <p:nvSpPr>
+          <p:cNvPr id="5" name="Google Shape;263;p25">
+            <a:extLst>
+              <a:ext uri="{FF2B5EF4-FFF2-40B4-BE49-F238E27FC236}">
+                <a16:creationId xmlns:a16="http://schemas.microsoft.com/office/drawing/2014/main" id="{2152FAED-6354-F2DA-4AB4-5EEA46EBDAC8}"/>
+              </a:ext>
+            </a:extLst>
+          </p:cNvPr>
+          <p:cNvSpPr txBox="1"/>
+          <p:nvPr/>
+        </p:nvSpPr>
+        <p:spPr>
+          <a:xfrm>
+            <a:off x="6081505" y="6180451"/>
+            <a:ext cx="5475249" cy="477696"/>
+          </a:xfrm>
+          <a:prstGeom prst="rect">
+            <a:avLst/>
+          </a:prstGeom>
+          <a:noFill/>
+          <a:ln w="12700" cap="flat">
+            <a:noFill/>
+            <a:miter lim="400000"/>
+          </a:ln>
+          <a:effectLst/>
+          <a:extLst>
+            <a:ext uri="{C572A759-6A51-4108-AA02-DFA0A04FC94B}">
+              <ma14:wrappingTextBoxFlag xmlns="" xmlns:m="http://schemas.openxmlformats.org/officeDocument/2006/math" xmlns:a14="http://schemas.microsoft.com/office/drawing/2010/main" xmlns:ma14="http://schemas.microsoft.com/office/mac/drawingml/2011/main" val="1"/>
+            </a:ext>
+          </a:extLst>
+        </p:spPr>
+        <p:txBody>
+          <a:bodyPr wrap="square" lIns="68898" tIns="68898" rIns="68898" bIns="68898" numCol="1" anchor="ctr">
+            <a:spAutoFit/>
+          </a:bodyPr>
+          <a:lstStyle>
+            <a:lvl1pPr>
+              <a:defRPr sz="1100">
+                <a:latin typeface="Calibri"/>
+                <a:ea typeface="Calibri"/>
+                <a:cs typeface="Calibri"/>
+                <a:sym typeface="Calibri"/>
+              </a:defRPr>
+            </a:lvl1pPr>
+          </a:lstStyle>
+          <a:p>
+            <a:r>
+              <a:rPr lang="en-US" dirty="0">
+                <a:effectLst/>
+                <a:latin typeface="Segoe UI" panose="020B0502040204020203" pitchFamily="34" charset="0"/>
+              </a:rPr>
+              <a:t>A linear classifier is a type of classifier that predicts the class of a given input based on the input's features.</a:t>
+            </a:r>
+            <a:endParaRPr dirty="0"/>
+          </a:p>
+        </p:txBody>
+      </p:sp>
     </p:spTree>
   </p:cSld>
   <p:clrMapOvr>
@@ -8809,7 +8207,7 @@
             <a:effectLst/>
             <a:extLst>
               <a:ext uri="{C572A759-6A51-4108-AA02-DFA0A04FC94B}">
-                <ma14:wrappingTextBoxFlag xmlns:ma14="http://schemas.microsoft.com/office/mac/drawingml/2011/main" xmlns:a14="http://schemas.microsoft.com/office/drawing/2010/main" xmlns:m="http://schemas.openxmlformats.org/officeDocument/2006/math" xmlns="" val="1"/>
+                <ma14:wrappingTextBoxFlag xmlns="" xmlns:m="http://schemas.openxmlformats.org/officeDocument/2006/math" xmlns:a14="http://schemas.microsoft.com/office/drawing/2010/main" xmlns:ma14="http://schemas.microsoft.com/office/mac/drawingml/2011/main" val="1"/>
               </a:ext>
             </a:extLst>
           </p:spPr>
@@ -8911,7 +8309,7 @@
             <a:effectLst/>
             <a:extLst>
               <a:ext uri="{C572A759-6A51-4108-AA02-DFA0A04FC94B}">
-                <ma14:wrappingTextBoxFlag xmlns:ma14="http://schemas.microsoft.com/office/mac/drawingml/2011/main" xmlns:a14="http://schemas.microsoft.com/office/drawing/2010/main" xmlns:m="http://schemas.openxmlformats.org/officeDocument/2006/math" xmlns="" val="1"/>
+                <ma14:wrappingTextBoxFlag xmlns="" xmlns:m="http://schemas.openxmlformats.org/officeDocument/2006/math" xmlns:a14="http://schemas.microsoft.com/office/drawing/2010/main" xmlns:ma14="http://schemas.microsoft.com/office/mac/drawingml/2011/main" val="1"/>
               </a:ext>
             </a:extLst>
           </p:spPr>
@@ -9122,7 +8520,7 @@
             <a:effectLst/>
             <a:extLst>
               <a:ext uri="{C572A759-6A51-4108-AA02-DFA0A04FC94B}">
-                <ma14:wrappingTextBoxFlag xmlns:ma14="http://schemas.microsoft.com/office/mac/drawingml/2011/main" xmlns:a14="http://schemas.microsoft.com/office/drawing/2010/main" xmlns:m="http://schemas.openxmlformats.org/officeDocument/2006/math" xmlns="" val="1"/>
+                <ma14:wrappingTextBoxFlag xmlns="" xmlns:m="http://schemas.openxmlformats.org/officeDocument/2006/math" xmlns:a14="http://schemas.microsoft.com/office/drawing/2010/main" xmlns:ma14="http://schemas.microsoft.com/office/mac/drawingml/2011/main" val="1"/>
               </a:ext>
             </a:extLst>
           </p:spPr>
@@ -9224,7 +8622,7 @@
             <a:effectLst/>
             <a:extLst>
               <a:ext uri="{C572A759-6A51-4108-AA02-DFA0A04FC94B}">
-                <ma14:wrappingTextBoxFlag xmlns:ma14="http://schemas.microsoft.com/office/mac/drawingml/2011/main" xmlns:a14="http://schemas.microsoft.com/office/drawing/2010/main" xmlns:m="http://schemas.openxmlformats.org/officeDocument/2006/math" xmlns="" val="1"/>
+                <ma14:wrappingTextBoxFlag xmlns="" xmlns:m="http://schemas.openxmlformats.org/officeDocument/2006/math" xmlns:a14="http://schemas.microsoft.com/office/drawing/2010/main" xmlns:ma14="http://schemas.microsoft.com/office/mac/drawingml/2011/main" val="1"/>
               </a:ext>
             </a:extLst>
           </p:spPr>
@@ -9324,7 +8722,7 @@
             <a:effectLst/>
             <a:extLst>
               <a:ext uri="{C572A759-6A51-4108-AA02-DFA0A04FC94B}">
-                <ma14:wrappingTextBoxFlag xmlns:ma14="http://schemas.microsoft.com/office/mac/drawingml/2011/main" xmlns:a14="http://schemas.microsoft.com/office/drawing/2010/main" xmlns:m="http://schemas.openxmlformats.org/officeDocument/2006/math" xmlns="" val="1"/>
+                <ma14:wrappingTextBoxFlag xmlns="" xmlns:m="http://schemas.openxmlformats.org/officeDocument/2006/math" xmlns:a14="http://schemas.microsoft.com/office/drawing/2010/main" xmlns:ma14="http://schemas.microsoft.com/office/mac/drawingml/2011/main" val="1"/>
               </a:ext>
             </a:extLst>
           </p:spPr>
@@ -9439,7 +8837,7 @@
             <a:effectLst/>
             <a:extLst>
               <a:ext uri="{C572A759-6A51-4108-AA02-DFA0A04FC94B}">
-                <ma14:wrappingTextBoxFlag xmlns:ma14="http://schemas.microsoft.com/office/mac/drawingml/2011/main" xmlns:a14="http://schemas.microsoft.com/office/drawing/2010/main" xmlns:m="http://schemas.openxmlformats.org/officeDocument/2006/math" xmlns="" val="1"/>
+                <ma14:wrappingTextBoxFlag xmlns="" xmlns:m="http://schemas.openxmlformats.org/officeDocument/2006/math" xmlns:a14="http://schemas.microsoft.com/office/drawing/2010/main" xmlns:ma14="http://schemas.microsoft.com/office/mac/drawingml/2011/main" val="1"/>
               </a:ext>
             </a:extLst>
           </p:spPr>
@@ -10197,7 +9595,7 @@
             <a:effectLst/>
             <a:extLst>
               <a:ext uri="{C572A759-6A51-4108-AA02-DFA0A04FC94B}">
-                <ma14:wrappingTextBoxFlag xmlns:ma14="http://schemas.microsoft.com/office/mac/drawingml/2011/main" xmlns:a14="http://schemas.microsoft.com/office/drawing/2010/main" xmlns:m="http://schemas.openxmlformats.org/officeDocument/2006/math" xmlns="" val="1"/>
+                <ma14:wrappingTextBoxFlag xmlns="" xmlns:m="http://schemas.openxmlformats.org/officeDocument/2006/math" xmlns:a14="http://schemas.microsoft.com/office/drawing/2010/main" xmlns:ma14="http://schemas.microsoft.com/office/mac/drawingml/2011/main" val="1"/>
               </a:ext>
             </a:extLst>
           </p:spPr>
@@ -10333,7 +9731,7 @@
             <a:effectLst/>
             <a:extLst>
               <a:ext uri="{C572A759-6A51-4108-AA02-DFA0A04FC94B}">
-                <ma14:wrappingTextBoxFlag xmlns:ma14="http://schemas.microsoft.com/office/mac/drawingml/2011/main" xmlns:a14="http://schemas.microsoft.com/office/drawing/2010/main" xmlns:m="http://schemas.openxmlformats.org/officeDocument/2006/math" xmlns="" val="1"/>
+                <ma14:wrappingTextBoxFlag xmlns="" xmlns:m="http://schemas.openxmlformats.org/officeDocument/2006/math" xmlns:a14="http://schemas.microsoft.com/office/drawing/2010/main" xmlns:ma14="http://schemas.microsoft.com/office/mac/drawingml/2011/main" val="1"/>
               </a:ext>
             </a:extLst>
           </p:spPr>
@@ -10469,7 +9867,7 @@
             <a:effectLst/>
             <a:extLst>
               <a:ext uri="{C572A759-6A51-4108-AA02-DFA0A04FC94B}">
-                <ma14:wrappingTextBoxFlag xmlns:ma14="http://schemas.microsoft.com/office/mac/drawingml/2011/main" xmlns:a14="http://schemas.microsoft.com/office/drawing/2010/main" xmlns:m="http://schemas.openxmlformats.org/officeDocument/2006/math" xmlns="" val="1"/>
+                <ma14:wrappingTextBoxFlag xmlns="" xmlns:m="http://schemas.openxmlformats.org/officeDocument/2006/math" xmlns:a14="http://schemas.microsoft.com/office/drawing/2010/main" xmlns:ma14="http://schemas.microsoft.com/office/mac/drawingml/2011/main" val="1"/>
               </a:ext>
             </a:extLst>
           </p:spPr>
@@ -10605,7 +10003,7 @@
             <a:effectLst/>
             <a:extLst>
               <a:ext uri="{C572A759-6A51-4108-AA02-DFA0A04FC94B}">
-                <ma14:wrappingTextBoxFlag xmlns:ma14="http://schemas.microsoft.com/office/mac/drawingml/2011/main" xmlns:a14="http://schemas.microsoft.com/office/drawing/2010/main" xmlns:m="http://schemas.openxmlformats.org/officeDocument/2006/math" xmlns="" val="1"/>
+                <ma14:wrappingTextBoxFlag xmlns="" xmlns:m="http://schemas.openxmlformats.org/officeDocument/2006/math" xmlns:a14="http://schemas.microsoft.com/office/drawing/2010/main" xmlns:ma14="http://schemas.microsoft.com/office/mac/drawingml/2011/main" val="1"/>
               </a:ext>
             </a:extLst>
           </p:spPr>
@@ -11962,7 +11360,7 @@
             <a:effectLst/>
             <a:extLst>
               <a:ext uri="{C572A759-6A51-4108-AA02-DFA0A04FC94B}">
-                <ma14:wrappingTextBoxFlag xmlns:ma14="http://schemas.microsoft.com/office/mac/drawingml/2011/main" xmlns:a14="http://schemas.microsoft.com/office/drawing/2010/main" xmlns:m="http://schemas.openxmlformats.org/officeDocument/2006/math" xmlns="" val="1"/>
+                <ma14:wrappingTextBoxFlag xmlns="" xmlns:m="http://schemas.openxmlformats.org/officeDocument/2006/math" xmlns:a14="http://schemas.microsoft.com/office/drawing/2010/main" xmlns:ma14="http://schemas.microsoft.com/office/mac/drawingml/2011/main" val="1"/>
               </a:ext>
             </a:extLst>
           </p:spPr>
@@ -12009,7 +11407,7 @@
             <a:effectLst/>
             <a:extLst>
               <a:ext uri="{C572A759-6A51-4108-AA02-DFA0A04FC94B}">
-                <ma14:wrappingTextBoxFlag xmlns:ma14="http://schemas.microsoft.com/office/mac/drawingml/2011/main" xmlns:a14="http://schemas.microsoft.com/office/drawing/2010/main" xmlns:m="http://schemas.openxmlformats.org/officeDocument/2006/math" xmlns="" val="1"/>
+                <ma14:wrappingTextBoxFlag xmlns="" xmlns:m="http://schemas.openxmlformats.org/officeDocument/2006/math" xmlns:a14="http://schemas.microsoft.com/office/drawing/2010/main" xmlns:ma14="http://schemas.microsoft.com/office/mac/drawingml/2011/main" val="1"/>
               </a:ext>
             </a:extLst>
           </p:spPr>
@@ -12161,7 +11559,7 @@
             <a:effectLst/>
             <a:extLst>
               <a:ext uri="{C572A759-6A51-4108-AA02-DFA0A04FC94B}">
-                <ma14:wrappingTextBoxFlag xmlns:ma14="http://schemas.microsoft.com/office/mac/drawingml/2011/main" xmlns:a14="http://schemas.microsoft.com/office/drawing/2010/main" xmlns:m="http://schemas.openxmlformats.org/officeDocument/2006/math" xmlns="" val="1"/>
+                <ma14:wrappingTextBoxFlag xmlns="" xmlns:m="http://schemas.openxmlformats.org/officeDocument/2006/math" xmlns:a14="http://schemas.microsoft.com/office/drawing/2010/main" xmlns:ma14="http://schemas.microsoft.com/office/mac/drawingml/2011/main" val="1"/>
               </a:ext>
             </a:extLst>
           </p:spPr>
@@ -12208,7 +11606,7 @@
             <a:effectLst/>
             <a:extLst>
               <a:ext uri="{C572A759-6A51-4108-AA02-DFA0A04FC94B}">
-                <ma14:wrappingTextBoxFlag xmlns:ma14="http://schemas.microsoft.com/office/mac/drawingml/2011/main" xmlns:a14="http://schemas.microsoft.com/office/drawing/2010/main" xmlns:m="http://schemas.openxmlformats.org/officeDocument/2006/math" xmlns="" val="1"/>
+                <ma14:wrappingTextBoxFlag xmlns="" xmlns:m="http://schemas.openxmlformats.org/officeDocument/2006/math" xmlns:a14="http://schemas.microsoft.com/office/drawing/2010/main" xmlns:ma14="http://schemas.microsoft.com/office/mac/drawingml/2011/main" val="1"/>
               </a:ext>
             </a:extLst>
           </p:spPr>
@@ -12343,7 +11741,7 @@
             <a:effectLst/>
             <a:extLst>
               <a:ext uri="{C572A759-6A51-4108-AA02-DFA0A04FC94B}">
-                <ma14:wrappingTextBoxFlag xmlns:ma14="http://schemas.microsoft.com/office/mac/drawingml/2011/main" xmlns:a14="http://schemas.microsoft.com/office/drawing/2010/main" xmlns:m="http://schemas.openxmlformats.org/officeDocument/2006/math" xmlns="" val="1"/>
+                <ma14:wrappingTextBoxFlag xmlns="" xmlns:m="http://schemas.openxmlformats.org/officeDocument/2006/math" xmlns:a14="http://schemas.microsoft.com/office/drawing/2010/main" xmlns:ma14="http://schemas.microsoft.com/office/mac/drawingml/2011/main" val="1"/>
               </a:ext>
             </a:extLst>
           </p:spPr>
@@ -12390,7 +11788,7 @@
             <a:effectLst/>
             <a:extLst>
               <a:ext uri="{C572A759-6A51-4108-AA02-DFA0A04FC94B}">
-                <ma14:wrappingTextBoxFlag xmlns:ma14="http://schemas.microsoft.com/office/mac/drawingml/2011/main" xmlns:a14="http://schemas.microsoft.com/office/drawing/2010/main" xmlns:m="http://schemas.openxmlformats.org/officeDocument/2006/math" xmlns="" val="1"/>
+                <ma14:wrappingTextBoxFlag xmlns="" xmlns:m="http://schemas.openxmlformats.org/officeDocument/2006/math" xmlns:a14="http://schemas.microsoft.com/office/drawing/2010/main" xmlns:ma14="http://schemas.microsoft.com/office/mac/drawingml/2011/main" val="1"/>
               </a:ext>
             </a:extLst>
           </p:spPr>
@@ -12525,7 +11923,7 @@
             <a:effectLst/>
             <a:extLst>
               <a:ext uri="{C572A759-6A51-4108-AA02-DFA0A04FC94B}">
-                <ma14:wrappingTextBoxFlag xmlns:ma14="http://schemas.microsoft.com/office/mac/drawingml/2011/main" xmlns:a14="http://schemas.microsoft.com/office/drawing/2010/main" xmlns:m="http://schemas.openxmlformats.org/officeDocument/2006/math" xmlns="" val="1"/>
+                <ma14:wrappingTextBoxFlag xmlns="" xmlns:m="http://schemas.openxmlformats.org/officeDocument/2006/math" xmlns:a14="http://schemas.microsoft.com/office/drawing/2010/main" xmlns:ma14="http://schemas.microsoft.com/office/mac/drawingml/2011/main" val="1"/>
               </a:ext>
             </a:extLst>
           </p:spPr>
@@ -12572,7 +11970,7 @@
             <a:effectLst/>
             <a:extLst>
               <a:ext uri="{C572A759-6A51-4108-AA02-DFA0A04FC94B}">
-                <ma14:wrappingTextBoxFlag xmlns:ma14="http://schemas.microsoft.com/office/mac/drawingml/2011/main" xmlns:a14="http://schemas.microsoft.com/office/drawing/2010/main" xmlns:m="http://schemas.openxmlformats.org/officeDocument/2006/math" xmlns="" val="1"/>
+                <ma14:wrappingTextBoxFlag xmlns="" xmlns:m="http://schemas.openxmlformats.org/officeDocument/2006/math" xmlns:a14="http://schemas.microsoft.com/office/drawing/2010/main" xmlns:ma14="http://schemas.microsoft.com/office/mac/drawingml/2011/main" val="1"/>
               </a:ext>
             </a:extLst>
           </p:spPr>
@@ -12707,7 +12105,7 @@
             <a:effectLst/>
             <a:extLst>
               <a:ext uri="{C572A759-6A51-4108-AA02-DFA0A04FC94B}">
-                <ma14:wrappingTextBoxFlag xmlns:ma14="http://schemas.microsoft.com/office/mac/drawingml/2011/main" xmlns:a14="http://schemas.microsoft.com/office/drawing/2010/main" xmlns:m="http://schemas.openxmlformats.org/officeDocument/2006/math" xmlns="" val="1"/>
+                <ma14:wrappingTextBoxFlag xmlns="" xmlns:m="http://schemas.openxmlformats.org/officeDocument/2006/math" xmlns:a14="http://schemas.microsoft.com/office/drawing/2010/main" xmlns:ma14="http://schemas.microsoft.com/office/mac/drawingml/2011/main" val="1"/>
               </a:ext>
             </a:extLst>
           </p:spPr>
@@ -12754,7 +12152,7 @@
             <a:effectLst/>
             <a:extLst>
               <a:ext uri="{C572A759-6A51-4108-AA02-DFA0A04FC94B}">
-                <ma14:wrappingTextBoxFlag xmlns:ma14="http://schemas.microsoft.com/office/mac/drawingml/2011/main" xmlns:a14="http://schemas.microsoft.com/office/drawing/2010/main" xmlns:m="http://schemas.openxmlformats.org/officeDocument/2006/math" xmlns="" val="1"/>
+                <ma14:wrappingTextBoxFlag xmlns="" xmlns:m="http://schemas.openxmlformats.org/officeDocument/2006/math" xmlns:a14="http://schemas.microsoft.com/office/drawing/2010/main" xmlns:ma14="http://schemas.microsoft.com/office/mac/drawingml/2011/main" val="1"/>
               </a:ext>
             </a:extLst>
           </p:spPr>
@@ -12889,7 +12287,7 @@
             <a:effectLst/>
             <a:extLst>
               <a:ext uri="{C572A759-6A51-4108-AA02-DFA0A04FC94B}">
-                <ma14:wrappingTextBoxFlag xmlns:ma14="http://schemas.microsoft.com/office/mac/drawingml/2011/main" xmlns:a14="http://schemas.microsoft.com/office/drawing/2010/main" xmlns:m="http://schemas.openxmlformats.org/officeDocument/2006/math" xmlns="" val="1"/>
+                <ma14:wrappingTextBoxFlag xmlns="" xmlns:m="http://schemas.openxmlformats.org/officeDocument/2006/math" xmlns:a14="http://schemas.microsoft.com/office/drawing/2010/main" xmlns:ma14="http://schemas.microsoft.com/office/mac/drawingml/2011/main" val="1"/>
               </a:ext>
             </a:extLst>
           </p:spPr>
@@ -12936,7 +12334,7 @@
             <a:effectLst/>
             <a:extLst>
               <a:ext uri="{C572A759-6A51-4108-AA02-DFA0A04FC94B}">
-                <ma14:wrappingTextBoxFlag xmlns:ma14="http://schemas.microsoft.com/office/mac/drawingml/2011/main" xmlns:a14="http://schemas.microsoft.com/office/drawing/2010/main" xmlns:m="http://schemas.openxmlformats.org/officeDocument/2006/math" xmlns="" val="1"/>
+                <ma14:wrappingTextBoxFlag xmlns="" xmlns:m="http://schemas.openxmlformats.org/officeDocument/2006/math" xmlns:a14="http://schemas.microsoft.com/office/drawing/2010/main" xmlns:ma14="http://schemas.microsoft.com/office/mac/drawingml/2011/main" val="1"/>
               </a:ext>
             </a:extLst>
           </p:spPr>
@@ -14327,7 +13725,7 @@
             <a:effectLst/>
             <a:extLst>
               <a:ext uri="{C572A759-6A51-4108-AA02-DFA0A04FC94B}">
-                <ma14:wrappingTextBoxFlag xmlns:ma14="http://schemas.microsoft.com/office/mac/drawingml/2011/main" xmlns:a14="http://schemas.microsoft.com/office/drawing/2010/main" xmlns:m="http://schemas.openxmlformats.org/officeDocument/2006/math" xmlns="" val="1"/>
+                <ma14:wrappingTextBoxFlag xmlns="" xmlns:m="http://schemas.openxmlformats.org/officeDocument/2006/math" xmlns:a14="http://schemas.microsoft.com/office/drawing/2010/main" xmlns:ma14="http://schemas.microsoft.com/office/mac/drawingml/2011/main" val="1"/>
               </a:ext>
             </a:extLst>
           </p:spPr>
@@ -14428,7 +13826,7 @@
             <a:effectLst/>
             <a:extLst>
               <a:ext uri="{C572A759-6A51-4108-AA02-DFA0A04FC94B}">
-                <ma14:wrappingTextBoxFlag xmlns:ma14="http://schemas.microsoft.com/office/mac/drawingml/2011/main" xmlns:a14="http://schemas.microsoft.com/office/drawing/2010/main" xmlns:m="http://schemas.openxmlformats.org/officeDocument/2006/math" xmlns="" val="1"/>
+                <ma14:wrappingTextBoxFlag xmlns="" xmlns:m="http://schemas.openxmlformats.org/officeDocument/2006/math" xmlns:a14="http://schemas.microsoft.com/office/drawing/2010/main" xmlns:ma14="http://schemas.microsoft.com/office/mac/drawingml/2011/main" val="1"/>
               </a:ext>
             </a:extLst>
           </p:spPr>
@@ -14552,7 +13950,7 @@
             <a:effectLst/>
             <a:extLst>
               <a:ext uri="{C572A759-6A51-4108-AA02-DFA0A04FC94B}">
-                <ma14:wrappingTextBoxFlag xmlns:ma14="http://schemas.microsoft.com/office/mac/drawingml/2011/main" xmlns:a14="http://schemas.microsoft.com/office/drawing/2010/main" xmlns:m="http://schemas.openxmlformats.org/officeDocument/2006/math" xmlns="" val="1"/>
+                <ma14:wrappingTextBoxFlag xmlns="" xmlns:m="http://schemas.openxmlformats.org/officeDocument/2006/math" xmlns:a14="http://schemas.microsoft.com/office/drawing/2010/main" xmlns:ma14="http://schemas.microsoft.com/office/mac/drawingml/2011/main" val="1"/>
               </a:ext>
             </a:extLst>
           </p:spPr>
@@ -14653,7 +14051,7 @@
             <a:effectLst/>
             <a:extLst>
               <a:ext uri="{C572A759-6A51-4108-AA02-DFA0A04FC94B}">
-                <ma14:wrappingTextBoxFlag xmlns:ma14="http://schemas.microsoft.com/office/mac/drawingml/2011/main" xmlns:a14="http://schemas.microsoft.com/office/drawing/2010/main" xmlns:m="http://schemas.openxmlformats.org/officeDocument/2006/math" xmlns="" val="1"/>
+                <ma14:wrappingTextBoxFlag xmlns="" xmlns:m="http://schemas.openxmlformats.org/officeDocument/2006/math" xmlns:a14="http://schemas.microsoft.com/office/drawing/2010/main" xmlns:ma14="http://schemas.microsoft.com/office/mac/drawingml/2011/main" val="1"/>
               </a:ext>
             </a:extLst>
           </p:spPr>
@@ -14752,7 +14150,7 @@
             <a:effectLst/>
             <a:extLst>
               <a:ext uri="{C572A759-6A51-4108-AA02-DFA0A04FC94B}">
-                <ma14:wrappingTextBoxFlag xmlns:ma14="http://schemas.microsoft.com/office/mac/drawingml/2011/main" xmlns:a14="http://schemas.microsoft.com/office/drawing/2010/main" xmlns:m="http://schemas.openxmlformats.org/officeDocument/2006/math" xmlns="" val="1"/>
+                <ma14:wrappingTextBoxFlag xmlns="" xmlns:m="http://schemas.openxmlformats.org/officeDocument/2006/math" xmlns:a14="http://schemas.microsoft.com/office/drawing/2010/main" xmlns:ma14="http://schemas.microsoft.com/office/mac/drawingml/2011/main" val="1"/>
               </a:ext>
             </a:extLst>
           </p:spPr>
@@ -14853,7 +14251,7 @@
             <a:effectLst/>
             <a:extLst>
               <a:ext uri="{C572A759-6A51-4108-AA02-DFA0A04FC94B}">
-                <ma14:wrappingTextBoxFlag xmlns:ma14="http://schemas.microsoft.com/office/mac/drawingml/2011/main" xmlns:a14="http://schemas.microsoft.com/office/drawing/2010/main" xmlns:m="http://schemas.openxmlformats.org/officeDocument/2006/math" xmlns="" val="1"/>
+                <ma14:wrappingTextBoxFlag xmlns="" xmlns:m="http://schemas.openxmlformats.org/officeDocument/2006/math" xmlns:a14="http://schemas.microsoft.com/office/drawing/2010/main" xmlns:ma14="http://schemas.microsoft.com/office/mac/drawingml/2011/main" val="1"/>
               </a:ext>
             </a:extLst>
           </p:spPr>
